--- a/slides.pptx
+++ b/slides.pptx
@@ -6,12 +6,13 @@
   </p:sldMasterIdLst>
   <p:sldIdLst>
     <p:sldId id="256" r:id="rId2"/>
-    <p:sldId id="257" r:id="rId3"/>
-    <p:sldId id="258" r:id="rId4"/>
-    <p:sldId id="259" r:id="rId5"/>
-    <p:sldId id="260" r:id="rId6"/>
-    <p:sldId id="261" r:id="rId7"/>
-    <p:sldId id="262" r:id="rId8"/>
+    <p:sldId id="263" r:id="rId3"/>
+    <p:sldId id="257" r:id="rId4"/>
+    <p:sldId id="258" r:id="rId5"/>
+    <p:sldId id="259" r:id="rId6"/>
+    <p:sldId id="260" r:id="rId7"/>
+    <p:sldId id="261" r:id="rId8"/>
+    <p:sldId id="262" r:id="rId9"/>
   </p:sldIdLst>
   <p:sldSz cx="12192000" cy="6858000"/>
   <p:notesSz cx="6858000" cy="9144000"/>
@@ -129,6 +130,118 @@
           <inkml:channelProperty channel="F" name="resolution" value="0" units="1/dev"/>
         </inkml:channelProperties>
       </inkml:inkSource>
+      <inkml:timestamp xml:id="ts0" timeString="2025-06-21T19:11:24.012"/>
+    </inkml:context>
+    <inkml:brush xml:id="br0">
+      <inkml:brushProperty name="width" value="0.35" units="cm"/>
+      <inkml:brushProperty name="height" value="0.35" units="cm"/>
+      <inkml:brushProperty name="color" value="#E71024"/>
+    </inkml:brush>
+  </inkml:definitions>
+  <inkml:trace contextRef="#ctx0" brushRef="#br0">754 3141 24575,'-52'-63'0,"1"0"0,0 0 0,-1 0 0,-2-3 0,3 4 0,7 3 0,6 0 0,7 6-984,-10-18 223,1 0 1325,-1-10-564,21 34 0,0-3 144,2-6 1,0-2-145,-3-11 0,1-2 0,0-2 0,2 1 0,5 2 0,1 0 446,2 1 0,2 1-446,3 3 0,2 1 0,2 3 0,1 0 0,0 2 0,0 1 0,2 4 0,1 2 0,8-33 0,13 14 0,6 20 0,8 4 0,2 2 0,3 4 0,3-1 0,0 5 0,2 1 0,-3 6 0,1-1 0,2 2 0,9-5 0,8-4 0,10 1 0,2 1 0,1 5 0,-2 4 0,-5 4 0,-15 8 0,-18 7 0,-18 6 0,-15 2 0,-31-2 0,-2-5 0,-35-9 0,-3-10 0,-15-10 0,35 13 0,0-1 0,1-1 0,2 0 0,-37-23 0,17 8 0,22 13 0,19 11 0,19 9 0,34 5 0,11 2 0,38 0 0,7 0 0,7 0 0,-9 0 0,-18 0 0,-15 2 0,-4 5 0,-5 6 0,-2 5 0,-6 1 0,-12-4 0,-8-3 0,-6-4 0,-5-2 0,-1 5 0,-3-1 0,0 3 0,0 1 0,-2 7 0,-2 14 0,-5 20 0,-2 27 0,5-31 0,2 3 0,0 6 0,1-1 0,0-1 0,0-2 0,-1 36 0,1-33 0,1-26 0,2-18 0,0-10 0,0-1 0</inkml:trace>
+</inkml:ink>
+</file>
+
+<file path=ppt/ink/ink10.xml><?xml version="1.0" encoding="utf-8"?>
+<inkml:ink xmlns:inkml="http://www.w3.org/2003/InkML">
+  <inkml:definitions>
+    <inkml:context xml:id="ctx0">
+      <inkml:inkSource xml:id="inkSrc0">
+        <inkml:traceFormat>
+          <inkml:channel name="X" type="integer" min="-2.14748E9" max="2.14748E9" units="cm"/>
+          <inkml:channel name="Y" type="integer" min="-2.14748E9" max="2.14748E9" units="cm"/>
+          <inkml:channel name="F" type="integer" max="32767" units="dev"/>
+        </inkml:traceFormat>
+        <inkml:channelProperties>
+          <inkml:channelProperty channel="X" name="resolution" value="1000" units="1/cm"/>
+          <inkml:channelProperty channel="Y" name="resolution" value="1000" units="1/cm"/>
+          <inkml:channelProperty channel="F" name="resolution" value="0" units="1/dev"/>
+        </inkml:channelProperties>
+      </inkml:inkSource>
+      <inkml:timestamp xml:id="ts0" timeString="2025-06-21T19:13:17.230"/>
+    </inkml:context>
+    <inkml:brush xml:id="br0">
+      <inkml:brushProperty name="width" value="0.35" units="cm"/>
+      <inkml:brushProperty name="height" value="0.35" units="cm"/>
+      <inkml:brushProperty name="color" value="#E71024"/>
+    </inkml:brush>
+  </inkml:definitions>
+  <inkml:trace contextRef="#ctx0" brushRef="#br0">1 0 24575,'60'36'0,"2"1"0,1 6 0,2 8 0,-5-1 0,-13-4 0,-16-13 0,-19-19 0,-9-10 0</inkml:trace>
+</inkml:ink>
+</file>
+
+<file path=ppt/ink/ink11.xml><?xml version="1.0" encoding="utf-8"?>
+<inkml:ink xmlns:inkml="http://www.w3.org/2003/InkML">
+  <inkml:definitions>
+    <inkml:context xml:id="ctx0">
+      <inkml:inkSource xml:id="inkSrc0">
+        <inkml:traceFormat>
+          <inkml:channel name="X" type="integer" min="-2.14748E9" max="2.14748E9" units="cm"/>
+          <inkml:channel name="Y" type="integer" min="-2.14748E9" max="2.14748E9" units="cm"/>
+          <inkml:channel name="F" type="integer" max="32767" units="dev"/>
+        </inkml:traceFormat>
+        <inkml:channelProperties>
+          <inkml:channelProperty channel="X" name="resolution" value="1000" units="1/cm"/>
+          <inkml:channelProperty channel="Y" name="resolution" value="1000" units="1/cm"/>
+          <inkml:channelProperty channel="F" name="resolution" value="0" units="1/dev"/>
+        </inkml:channelProperties>
+      </inkml:inkSource>
+      <inkml:timestamp xml:id="ts0" timeString="2025-06-21T19:13:22.452"/>
+    </inkml:context>
+    <inkml:brush xml:id="br0">
+      <inkml:brushProperty name="width" value="0.35" units="cm"/>
+      <inkml:brushProperty name="height" value="0.35" units="cm"/>
+      <inkml:brushProperty name="color" value="#E71024"/>
+    </inkml:brush>
+  </inkml:definitions>
+  <inkml:trace contextRef="#ctx0" brushRef="#br0">0 0 24575,'65'8'0,"2"19"0,3 31 0,-32-16 0,0 5 0,4 11 0,-1 4 0,4 11 0,-2 1 0,-5-4 0,-2 1-492,-1-2 0,-2 0 0,-5-9 0,-2-2 0,-3-4 0,-1 0 382,-1 4 1,-1-1 109,-4-4 0,-2-1 0,9 44 0,-9-5 0,0-4 0,-1-3 0,-1-7 0,-6-21 0,-2-14 0,-4-20 0,0-10 0,0-10 0</inkml:trace>
+</inkml:ink>
+</file>
+
+<file path=ppt/ink/ink12.xml><?xml version="1.0" encoding="utf-8"?>
+<inkml:ink xmlns:inkml="http://www.w3.org/2003/InkML">
+  <inkml:definitions>
+    <inkml:context xml:id="ctx0">
+      <inkml:inkSource xml:id="inkSrc0">
+        <inkml:traceFormat>
+          <inkml:channel name="X" type="integer" min="-2.14748E9" max="2.14748E9" units="cm"/>
+          <inkml:channel name="Y" type="integer" min="-2.14748E9" max="2.14748E9" units="cm"/>
+          <inkml:channel name="F" type="integer" max="32767" units="dev"/>
+        </inkml:traceFormat>
+        <inkml:channelProperties>
+          <inkml:channelProperty channel="X" name="resolution" value="1000" units="1/cm"/>
+          <inkml:channelProperty channel="Y" name="resolution" value="1000" units="1/cm"/>
+          <inkml:channelProperty channel="F" name="resolution" value="0" units="1/dev"/>
+        </inkml:channelProperties>
+      </inkml:inkSource>
+      <inkml:timestamp xml:id="ts0" timeString="2025-06-21T19:13:23.631"/>
+    </inkml:context>
+    <inkml:brush xml:id="br0">
+      <inkml:brushProperty name="width" value="0.35" units="cm"/>
+      <inkml:brushProperty name="height" value="0.35" units="cm"/>
+      <inkml:brushProperty name="color" value="#E71024"/>
+    </inkml:brush>
+  </inkml:definitions>
+  <inkml:trace contextRef="#ctx0" brushRef="#br0">303 0 24575,'-25'0'0,"2"3"0,8 15 0,-10 24 0,-9 38 0,12-24 0,1 6 0,-4 13 0,2 3 0,3 7 0,2 2 0,3 1 0,2 0 0,4-2 0,2-2 0,4-12 0,2-4 0,-1-9 0,1-4 0,1 22 0,0-29 0,0-16 0,0-18 0,0-4 0</inkml:trace>
+</inkml:ink>
+</file>
+
+<file path=ppt/ink/ink13.xml><?xml version="1.0" encoding="utf-8"?>
+<inkml:ink xmlns:inkml="http://www.w3.org/2003/InkML">
+  <inkml:definitions>
+    <inkml:context xml:id="ctx0">
+      <inkml:inkSource xml:id="inkSrc0">
+        <inkml:traceFormat>
+          <inkml:channel name="X" type="integer" min="-2.14748E9" max="2.14748E9" units="cm"/>
+          <inkml:channel name="Y" type="integer" min="-2.14748E9" max="2.14748E9" units="cm"/>
+          <inkml:channel name="F" type="integer" max="32767" units="dev"/>
+        </inkml:traceFormat>
+        <inkml:channelProperties>
+          <inkml:channelProperty channel="X" name="resolution" value="1000" units="1/cm"/>
+          <inkml:channelProperty channel="Y" name="resolution" value="1000" units="1/cm"/>
+          <inkml:channelProperty channel="F" name="resolution" value="0" units="1/dev"/>
+        </inkml:channelProperties>
+      </inkml:inkSource>
       <inkml:timestamp xml:id="ts0" timeString="2025-06-21T18:59:57.617"/>
     </inkml:context>
     <inkml:brush xml:id="br0">
@@ -141,7 +254,7 @@
 </inkml:ink>
 </file>
 
-<file path=ppt/ink/ink2.xml><?xml version="1.0" encoding="utf-8"?>
+<file path=ppt/ink/ink14.xml><?xml version="1.0" encoding="utf-8"?>
 <inkml:ink xmlns:inkml="http://www.w3.org/2003/InkML">
   <inkml:definitions>
     <inkml:context xml:id="ctx0">
@@ -169,7 +282,7 @@
 </inkml:ink>
 </file>
 
-<file path=ppt/ink/ink3.xml><?xml version="1.0" encoding="utf-8"?>
+<file path=ppt/ink/ink15.xml><?xml version="1.0" encoding="utf-8"?>
 <inkml:ink xmlns:inkml="http://www.w3.org/2003/InkML">
   <inkml:definitions>
     <inkml:context xml:id="ctx0">
@@ -197,7 +310,7 @@
 </inkml:ink>
 </file>
 
-<file path=ppt/ink/ink4.xml><?xml version="1.0" encoding="utf-8"?>
+<file path=ppt/ink/ink16.xml><?xml version="1.0" encoding="utf-8"?>
 <inkml:ink xmlns:inkml="http://www.w3.org/2003/InkML">
   <inkml:definitions>
     <inkml:context xml:id="ctx0">
@@ -225,7 +338,7 @@
 </inkml:ink>
 </file>
 
-<file path=ppt/ink/ink5.xml><?xml version="1.0" encoding="utf-8"?>
+<file path=ppt/ink/ink17.xml><?xml version="1.0" encoding="utf-8"?>
 <inkml:ink xmlns:inkml="http://www.w3.org/2003/InkML">
   <inkml:definitions>
     <inkml:context xml:id="ctx0">
@@ -250,6 +363,230 @@
     </inkml:brush>
   </inkml:definitions>
   <inkml:trace contextRef="#ctx0" brushRef="#br0">165 1 24575,'93'24'0,"0"0"0,0-1 0,1 1 0,-9 1 0,2 0 0,-12 5 0,-24 9 0,-32 29 0,-19 10 0,5 14 0,-2 5-328,-2-25 0,-1 1 0,0-1 326,2-1 0,0-1 0,3-1 2,7 29 0,6-5 162,7-9 0,8-6-162,7-12 0,7-6 0,5-6 0,4-7 0,-6-12 0,0-6 0,41 8 0,-21-17 0,-11-8 0,-2 1 0,-8-2 0,-4 1 165,-12-1-165,-5-2 0,-4-2 0,0 0 501,-1 1-501,-1 0 0,-15-1 0,-21 2 0,-26 7 0,-28 22 0,-3 16 0,33-17 0,2 4 0,3 1 0,2 3-492,0 3 0,1 2 29,2-2 0,0 1 463,1-3 0,2 0 0,1 0 0,1 0-984,-16 38 980,2 2 4,10-13 0,7-9 0,8-9 0,2 0 0,7-7 0,1 0 0,3 9 983,10 15-158,6 25-334,-5-42 1,1 2-439,0 2 1,-1 1-54,-2 1 0,-3 0 0,-2-3 0,-3-1 0,-8-2 0,-5-2 0,-23 35 0,-23-9 0,-8-15 0,-13-3 0,37-32 0,-2-1 0,-2 0 0,-2-1 0,-3 1 0,-1-1 0,-40 14 0,0-1 0,5-12 0,2-5 0,-4-2 0,-1-6 0,20-5 0,23-4 0,24-5 0</inkml:trace>
+</inkml:ink>
+</file>
+
+<file path=ppt/ink/ink2.xml><?xml version="1.0" encoding="utf-8"?>
+<inkml:ink xmlns:inkml="http://www.w3.org/2003/InkML">
+  <inkml:definitions>
+    <inkml:context xml:id="ctx0">
+      <inkml:inkSource xml:id="inkSrc0">
+        <inkml:traceFormat>
+          <inkml:channel name="X" type="integer" min="-2.14748E9" max="2.14748E9" units="cm"/>
+          <inkml:channel name="Y" type="integer" min="-2.14748E9" max="2.14748E9" units="cm"/>
+          <inkml:channel name="F" type="integer" max="32767" units="dev"/>
+        </inkml:traceFormat>
+        <inkml:channelProperties>
+          <inkml:channelProperty channel="X" name="resolution" value="1000" units="1/cm"/>
+          <inkml:channelProperty channel="Y" name="resolution" value="1000" units="1/cm"/>
+          <inkml:channelProperty channel="F" name="resolution" value="0" units="1/dev"/>
+        </inkml:channelProperties>
+      </inkml:inkSource>
+      <inkml:timestamp xml:id="ts0" timeString="2025-06-21T19:11:38.845"/>
+    </inkml:context>
+    <inkml:brush xml:id="br0">
+      <inkml:brushProperty name="width" value="0.35" units="cm"/>
+      <inkml:brushProperty name="height" value="0.35" units="cm"/>
+      <inkml:brushProperty name="color" value="#E71024"/>
+    </inkml:brush>
+  </inkml:definitions>
+  <inkml:trace contextRef="#ctx0" brushRef="#br0">1366 0 24575,'75'37'0,"6"11"0,-14-4 0,3 5-492,0 1 0,0 2 0,1 3 0,0 1 0,3 2 0,-2 1 0,-6 1 0,-1 3 336,-18-17 0,1 3 0,-1 0 156,0 3 0,0 1 0,-2 0 0,0 3 0,-1 0 0,-1 2 0,-3 1 0,0 3 0,-3 2 82,2 8 0,-2 3 0,-3 2-82,-5 5 0,-4 2 0,-3 1 0,0 5 0,-3 1 0,-7 1 0,-9-3 0,-7 1 0,-9-1 0,-11 2 0,-9-1 0,-8-2-219,1-18 0,-6-1 0,-5 0 1,-3-3 218,-10 5 0,-6-2 0,-3-1 0,-2-2 0,13-14 0,-3 0 0,0-2 0,-2-2 0,1-2 0,-14 7 0,-1-3 0,1-2 0,2-5 0,-10 3 0,2-5 0,4-5 0,11-9 0,2-4 0,3-4 0,-10-3 0,4-6 0,6-5 0,1-2 0,-1-1 0,0-4 0,1-6 0,-1-6 0,-2-4 0,1-4 0,1-8 0,2-4 0,5-1 0,3-1 0,9 2 0,3-3 0,2 1 0,3-2 0,-25-33 0,4-8 0,17-4 0,26 32 0,6-3 491,4-6 1,9-2-1,12-9 1,14 2-482,19-6 1,17 4-11,-5 23 0,9 3 0,6 3-246,-5 6 0,6 3 0,3 1 0,2 2 217,11-1 1,3 1-1,3 3 1,2 0-130,-12 5 1,1 1 0,1 1 0,2 1 0,-1 0 157,4 1 0,2 0 0,0 1 0,-1 1 0,-2 1 0,-9 2 0,-2 1 0,-1 0 0,-1 1 0,-2 0 0,12-1 0,-2 1 0,-3 1 0,-3 0 0,5 0 0,-4 2 0,-3 0 0,20-2 0,-4 1 0,0 1 0,-3 1 0,-8 0 0,-1 1 0,0-1 0,0 1 0,-6 2 0,0-1 0,0 0 0,0-1 0,-6 0 0,-1 0 0,1 0 0,-1-1 0,-9-1 0,1 0 0,6-2 0,1-1 0,1-1 0,0-2 0,1-1 0,-1-2 0,-3-2 0,-2 0 491,-12 1 1,-3-1 406,33-14 85,-18 7 0,-15 8 0,-13 5-883,-12 5-100,-7 1 0,-6 2 0,-6 1 0,-30-17 0,-11-3 0,-35-22 0,7 3 0,8 1 0,18 9 0,18 14 0,10 9 0,46 27 0,18-1 0,-4 1 0,5 1 0,3-4 0,1-1 0,6 2 0,0 0 0,-5-1 0,-2 1 0,-8-1 0,-4 0 0,18 8 0,-26-6 0,-20-5 0,-11-3 0,-5-2 0,-15 5 0,1 0 0,-11 5 0,2 2 0,-5 7 0,-5 9 0,-7 12 0,-4 5 0,0 2 0,2-6 0,7-12 0,6-6 0,5-9 0,3-1 0,0 1 0,0 0 0,1 0 0,4 0 0,0-2 0,4-1 0,1-2 0,2-3 0,1 3 0,2-8 0,1 0 0</inkml:trace>
+</inkml:ink>
+</file>
+
+<file path=ppt/ink/ink3.xml><?xml version="1.0" encoding="utf-8"?>
+<inkml:ink xmlns:inkml="http://www.w3.org/2003/InkML">
+  <inkml:definitions>
+    <inkml:context xml:id="ctx0">
+      <inkml:inkSource xml:id="inkSrc0">
+        <inkml:traceFormat>
+          <inkml:channel name="X" type="integer" min="-2.14748E9" max="2.14748E9" units="cm"/>
+          <inkml:channel name="Y" type="integer" min="-2.14748E9" max="2.14748E9" units="cm"/>
+          <inkml:channel name="F" type="integer" max="32767" units="dev"/>
+        </inkml:traceFormat>
+        <inkml:channelProperties>
+          <inkml:channelProperty channel="X" name="resolution" value="1000" units="1/cm"/>
+          <inkml:channelProperty channel="Y" name="resolution" value="1000" units="1/cm"/>
+          <inkml:channelProperty channel="F" name="resolution" value="0" units="1/dev"/>
+        </inkml:channelProperties>
+      </inkml:inkSource>
+      <inkml:timestamp xml:id="ts0" timeString="2025-06-21T19:12:04.330"/>
+    </inkml:context>
+    <inkml:brush xml:id="br0">
+      <inkml:brushProperty name="width" value="0.35" units="cm"/>
+      <inkml:brushProperty name="height" value="0.35" units="cm"/>
+      <inkml:brushProperty name="color" value="#E71024"/>
+    </inkml:brush>
+  </inkml:definitions>
+  <inkml:trace contextRef="#ctx0" brushRef="#br0">1 65 24575,'36'0'0,"0"0"0,1 0 0,29 0 0,27 0 0,-35 0 0,4 0 0,6 0 0,1 0 0,2 0 0,0 0 0,1 0 0,0 0 0,-1 0 0,0 0 0,-6 0 0,-2 0 0,-5 0 0,-3 0 0,32 0 0,-18 0 0,-16 0 0,-9 0 0,0 0 0,-4-2 0,1-2 0,-1 1 0,-2 1 0,-2 2 0,-2 0 0,-1 0 0,5 0 0,4 0 0,5-2 0,5 0 0,1-3 0,3-3 0,3-1 0,4 0 0,2 2 0,-2 1 0,-12 3 0,-10 1 0,-12 2 0,-6 0 0,-2 0 0,-4 0 0,-1 0 0,-3 0 0,0 0 0,0 0 0,2 0 0,-2 0 0,1 0 0,-2 0 0,-3 0 0,-1 0 0</inkml:trace>
+</inkml:ink>
+</file>
+
+<file path=ppt/ink/ink4.xml><?xml version="1.0" encoding="utf-8"?>
+<inkml:ink xmlns:inkml="http://www.w3.org/2003/InkML">
+  <inkml:definitions>
+    <inkml:context xml:id="ctx0">
+      <inkml:inkSource xml:id="inkSrc0">
+        <inkml:traceFormat>
+          <inkml:channel name="X" type="integer" min="-2.14748E9" max="2.14748E9" units="cm"/>
+          <inkml:channel name="Y" type="integer" min="-2.14748E9" max="2.14748E9" units="cm"/>
+          <inkml:channel name="F" type="integer" max="32767" units="dev"/>
+        </inkml:traceFormat>
+        <inkml:channelProperties>
+          <inkml:channelProperty channel="X" name="resolution" value="1000" units="1/cm"/>
+          <inkml:channelProperty channel="Y" name="resolution" value="1000" units="1/cm"/>
+          <inkml:channelProperty channel="F" name="resolution" value="0" units="1/dev"/>
+        </inkml:channelProperties>
+      </inkml:inkSource>
+      <inkml:timestamp xml:id="ts0" timeString="2025-06-21T19:13:08.930"/>
+    </inkml:context>
+    <inkml:brush xml:id="br0">
+      <inkml:brushProperty name="width" value="0.35" units="cm"/>
+      <inkml:brushProperty name="height" value="0.35" units="cm"/>
+      <inkml:brushProperty name="color" value="#E71024"/>
+    </inkml:brush>
+  </inkml:definitions>
+  <inkml:trace contextRef="#ctx0" brushRef="#br0">0 0 24575,'0'0'0</inkml:trace>
+</inkml:ink>
+</file>
+
+<file path=ppt/ink/ink5.xml><?xml version="1.0" encoding="utf-8"?>
+<inkml:ink xmlns:inkml="http://www.w3.org/2003/InkML">
+  <inkml:definitions>
+    <inkml:context xml:id="ctx0">
+      <inkml:inkSource xml:id="inkSrc0">
+        <inkml:traceFormat>
+          <inkml:channel name="X" type="integer" min="-2.14748E9" max="2.14748E9" units="cm"/>
+          <inkml:channel name="Y" type="integer" min="-2.14748E9" max="2.14748E9" units="cm"/>
+          <inkml:channel name="F" type="integer" max="32767" units="dev"/>
+        </inkml:traceFormat>
+        <inkml:channelProperties>
+          <inkml:channelProperty channel="X" name="resolution" value="1000" units="1/cm"/>
+          <inkml:channelProperty channel="Y" name="resolution" value="1000" units="1/cm"/>
+          <inkml:channelProperty channel="F" name="resolution" value="0" units="1/dev"/>
+        </inkml:channelProperties>
+      </inkml:inkSource>
+      <inkml:timestamp xml:id="ts0" timeString="2025-06-21T19:13:09.368"/>
+    </inkml:context>
+    <inkml:brush xml:id="br0">
+      <inkml:brushProperty name="width" value="0.35" units="cm"/>
+      <inkml:brushProperty name="height" value="0.35" units="cm"/>
+      <inkml:brushProperty name="color" value="#E71024"/>
+    </inkml:brush>
+  </inkml:definitions>
+  <inkml:trace contextRef="#ctx0" brushRef="#br0">0 1 24575,'0'0'0</inkml:trace>
+</inkml:ink>
+</file>
+
+<file path=ppt/ink/ink6.xml><?xml version="1.0" encoding="utf-8"?>
+<inkml:ink xmlns:inkml="http://www.w3.org/2003/InkML">
+  <inkml:definitions>
+    <inkml:context xml:id="ctx0">
+      <inkml:inkSource xml:id="inkSrc0">
+        <inkml:traceFormat>
+          <inkml:channel name="X" type="integer" min="-2.14748E9" max="2.14748E9" units="cm"/>
+          <inkml:channel name="Y" type="integer" min="-2.14748E9" max="2.14748E9" units="cm"/>
+          <inkml:channel name="F" type="integer" max="32767" units="dev"/>
+        </inkml:traceFormat>
+        <inkml:channelProperties>
+          <inkml:channelProperty channel="X" name="resolution" value="1000" units="1/cm"/>
+          <inkml:channelProperty channel="Y" name="resolution" value="1000" units="1/cm"/>
+          <inkml:channelProperty channel="F" name="resolution" value="0" units="1/dev"/>
+        </inkml:channelProperties>
+      </inkml:inkSource>
+      <inkml:timestamp xml:id="ts0" timeString="2025-06-21T19:13:10.997"/>
+    </inkml:context>
+    <inkml:brush xml:id="br0">
+      <inkml:brushProperty name="width" value="0.35" units="cm"/>
+      <inkml:brushProperty name="height" value="0.35" units="cm"/>
+      <inkml:brushProperty name="color" value="#E71024"/>
+    </inkml:brush>
+  </inkml:definitions>
+  <inkml:trace contextRef="#ctx0" brushRef="#br0">0 454 24575,'0'-39'0,"0"4"0,7 2 0,3 5 0,3 1 0,2 7 0,-3 5 0,1 2 0,1 1 0,0-2 0,0-1 0,-1 0 0,1 3 0,3-2 0,1 1 0,9-6 0,8-2 0,8-2 0,2 0 0,2 5 0,0 2 0,1 3 0,1 5 0,1 3 0,-9 2 0,-3 3 0,-10 0 0,-2 0 0,0 0 0,0 0 0,1 0 0,-1 3 0,0 1 0,0 4 0,0 2 0,-2 0 0,2 3 0,-1 5 0,6 8 0,5 6 0,1 4 0,-4-1 0,-3-4 0,-5-2 0,-5-5 0,-3-2 0,-8-2 0,-3-5 0,-2-2 0,-2-7 0,0-2 0</inkml:trace>
+</inkml:ink>
+</file>
+
+<file path=ppt/ink/ink7.xml><?xml version="1.0" encoding="utf-8"?>
+<inkml:ink xmlns:inkml="http://www.w3.org/2003/InkML">
+  <inkml:definitions>
+    <inkml:context xml:id="ctx0">
+      <inkml:inkSource xml:id="inkSrc0">
+        <inkml:traceFormat>
+          <inkml:channel name="X" type="integer" min="-2.14748E9" max="2.14748E9" units="cm"/>
+          <inkml:channel name="Y" type="integer" min="-2.14748E9" max="2.14748E9" units="cm"/>
+          <inkml:channel name="F" type="integer" max="32767" units="dev"/>
+        </inkml:traceFormat>
+        <inkml:channelProperties>
+          <inkml:channelProperty channel="X" name="resolution" value="1000" units="1/cm"/>
+          <inkml:channelProperty channel="Y" name="resolution" value="1000" units="1/cm"/>
+          <inkml:channelProperty channel="F" name="resolution" value="0" units="1/dev"/>
+        </inkml:channelProperties>
+      </inkml:inkSource>
+      <inkml:timestamp xml:id="ts0" timeString="2025-06-21T19:13:13.947"/>
+    </inkml:context>
+    <inkml:brush xml:id="br0">
+      <inkml:brushProperty name="width" value="0.35" units="cm"/>
+      <inkml:brushProperty name="height" value="0.35" units="cm"/>
+      <inkml:brushProperty name="color" value="#E71024"/>
+    </inkml:brush>
+  </inkml:definitions>
+  <inkml:trace contextRef="#ctx0" brushRef="#br0">5603 1348 24575,'-22'-30'0,"5"3"0,-6 1 0,-6-9 0,-6-5 0,-12-13 0,-18-15 0,23 27 0,-2-2 0,-9-8 0,-3-1 0,-6-2 0,-2 1 0,-3-2 0,-2 2 0,1 5 0,-1 3 0,-1 3 0,-1 2 0,0 2 0,0 2 0,11 7 0,2 3 0,2 0 0,4 2 0,-30-12 0,14 4 0,1 1 0,4 1 0,-3 4 0,3 4 0,1 1 0,3 5 0,-2 1 0,-6-1 0,-23-2 0,36 8 0,-3 1 0,-11 1 0,-3 0 0,-5 3 0,-2 1 0,-8 1 0,-3 1 0,2 1 0,0 1 0,-2 3 0,1 1 0,-1 1 0,1 3 0,5 2 0,1 2 0,-3 1 0,1 1 0,12-1 0,2-1 0,6 0 0,2 0 0,11-1 0,3 0 0,-39 16 0,-2 2 0,10 0 0,-2-2 0,8-1 0,1 1 0,3 3 0,2-1 0,3-2 0,-3 6 0,-3 6 0,-2 9 0,-1 10 0,2 7 0,34-29 0,1 0 0,0 0 0,0 0 0,-32 30 0,6-7 0,12-14 0,10-9 0,9-6 0,4-3 0,-1 5 0,-1 6 0,-2 4 0,0 3 0,3 2 0,4-2 0,2 3 0,4 6 0,2 11 0,4 18 0,8-32 0,1 3 0,1 7 0,2 3 0,-1 8 0,2 2 0,-1 6 0,0 1 0,0 2 0,0 1 0,-1-3 0,2-2 0,0-4 0,3-2 0,3-4 0,1-4 0,1-12 0,3-2 0,15 38 0,1-20 0,4 3 0,2-2 0,1-4 0,1-2 0,2-11 0,5 6 0,3-6 0,3-3 0,4-3 0,17 5 0,14 0 0,-36-25 0,2-1 0,2-2 0,1-1 0,0-3 0,-1-2 0,1 1 0,0 0 0,0-3 0,-1-1 0,1 0 0,0-1 0,0-1 0,1-2 0,0 0 0,-1-1 0,42 6-984,-10-4 816,-15-3-445,-10-3 613,1 0 0,-5-3 0,2-1 0,-3-2 0,-2 3 0,0 0 0,8 0 983,16 0-851,19-3 193,-38 0 0,1 0-325,3 0 0,1 0 0,3 0 0,0 0 0,0 0 0,-1 0 0,-2 0 0,0 0 0,-1 0 0,-3 0 0,41 0 0,-15 0 0,-21 0 0,-5 0 0,0 0 0,0 0 0,1 0 0,-3 0 0,3-3 0,-5-3 0,3-3 0,3-5 0,10-3 0,14-3 0,-37 8 0,1-2 0,5-2 0,2-3 0,2-2 0,1-2 0,1-3 0,1-2 0,-2-2 0,-1-1 0,-1 1 0,-2-2 0,-6 3 0,-1-1 0,-5 2 0,-3 1 0,23-18 0,-17 7 0,-13 6 0,-5 1 0,-1-5 0,2-2 0,4-8 0,-2-2 0,3-6 0,4-7 0,10-13 0,-20 32 0,0-2 0,3-2 0,-1 0 0,-2 1 0,0 1 0,21-39 0,-4 3 0,-5 2 0,-5-3 0,-6 0 0,-3 1 0,-7 13 0,-5 9 0,-4 13 0,-5 8 0,-1 1 0,-2 4 0,-1 1 0,-1-2 0,0 0 0,0-1 0,0-2 0,0-2 0,0-14 0,-8-16 0,-17-22 0,2 39 0,-4 0 0,-5 0 0,-4 1 0,-1 5 0,2 5 0,-9-7 0,16 21 0</inkml:trace>
+</inkml:ink>
+</file>
+
+<file path=ppt/ink/ink8.xml><?xml version="1.0" encoding="utf-8"?>
+<inkml:ink xmlns:inkml="http://www.w3.org/2003/InkML">
+  <inkml:definitions>
+    <inkml:context xml:id="ctx0">
+      <inkml:inkSource xml:id="inkSrc0">
+        <inkml:traceFormat>
+          <inkml:channel name="X" type="integer" min="-2.14748E9" max="2.14748E9" units="cm"/>
+          <inkml:channel name="Y" type="integer" min="-2.14748E9" max="2.14748E9" units="cm"/>
+          <inkml:channel name="F" type="integer" max="32767" units="dev"/>
+        </inkml:traceFormat>
+        <inkml:channelProperties>
+          <inkml:channelProperty channel="X" name="resolution" value="1000" units="1/cm"/>
+          <inkml:channelProperty channel="Y" name="resolution" value="1000" units="1/cm"/>
+          <inkml:channelProperty channel="F" name="resolution" value="0" units="1/dev"/>
+        </inkml:channelProperties>
+      </inkml:inkSource>
+      <inkml:timestamp xml:id="ts0" timeString="2025-06-21T19:13:15.031"/>
+    </inkml:context>
+    <inkml:brush xml:id="br0">
+      <inkml:brushProperty name="width" value="0.35" units="cm"/>
+      <inkml:brushProperty name="height" value="0.35" units="cm"/>
+      <inkml:brushProperty name="color" value="#E71024"/>
+    </inkml:brush>
+  </inkml:definitions>
+  <inkml:trace contextRef="#ctx0" brushRef="#br0">1 1 24575,'11'50'0,"0"1"0,5 11 0,1 2 0,3 8 0,-1 1 0,1 2 0,-2 0 0,-5-8 0,-2-3 0,-1 27 0,-4-30 0,-6-36 0,0-20 0</inkml:trace>
+</inkml:ink>
+</file>
+
+<file path=ppt/ink/ink9.xml><?xml version="1.0" encoding="utf-8"?>
+<inkml:ink xmlns:inkml="http://www.w3.org/2003/InkML">
+  <inkml:definitions>
+    <inkml:context xml:id="ctx0">
+      <inkml:inkSource xml:id="inkSrc0">
+        <inkml:traceFormat>
+          <inkml:channel name="X" type="integer" min="-2.14748E9" max="2.14748E9" units="cm"/>
+          <inkml:channel name="Y" type="integer" min="-2.14748E9" max="2.14748E9" units="cm"/>
+          <inkml:channel name="F" type="integer" max="32767" units="dev"/>
+        </inkml:traceFormat>
+        <inkml:channelProperties>
+          <inkml:channelProperty channel="X" name="resolution" value="1000" units="1/cm"/>
+          <inkml:channelProperty channel="Y" name="resolution" value="1000" units="1/cm"/>
+          <inkml:channelProperty channel="F" name="resolution" value="0" units="1/dev"/>
+        </inkml:channelProperties>
+      </inkml:inkSource>
+      <inkml:timestamp xml:id="ts0" timeString="2025-06-21T19:13:16.264"/>
+    </inkml:context>
+    <inkml:brush xml:id="br0">
+      <inkml:brushProperty name="width" value="0.35" units="cm"/>
+      <inkml:brushProperty name="height" value="0.35" units="cm"/>
+      <inkml:brushProperty name="color" value="#E71024"/>
+    </inkml:brush>
+  </inkml:definitions>
+  <inkml:trace contextRef="#ctx0" brushRef="#br0">487 0 24575,'-25'49'0,"-1"-1"0,4 3 0,2 3 0,5 10 0,3 3 0,3 11 0,3 1 0,1-2 0,1 0 0,2 2 0,0-2 0,2-6 0,0-4 0,0 29 0,0-21 0,0-32 0,0-17 0,0-5 0,0-7 0,0-2 0,-3-5 0,-5-2 0,-9-3 0,-16 1 0,-14 9 0,-15 12 0,-2 10 0,11 0 0,19-9 0,20-14 0,10-5 0</inkml:trace>
 </inkml:ink>
 </file>
 
@@ -3574,10 +3911,10 @@
       </p:sp>
       <p:pic>
         <p:nvPicPr>
-          <p:cNvPr id="7" name="Picture 6">
-            <a:extLst>
-              <a:ext uri="{FF2B5EF4-FFF2-40B4-BE49-F238E27FC236}">
-                <a16:creationId xmlns:a16="http://schemas.microsoft.com/office/drawing/2014/main" id="{86DFE33D-E632-95B5-451F-B2245CE9A17F}"/>
+          <p:cNvPr id="10" name="Picture 9">
+            <a:extLst>
+              <a:ext uri="{FF2B5EF4-FFF2-40B4-BE49-F238E27FC236}">
+                <a16:creationId xmlns:a16="http://schemas.microsoft.com/office/drawing/2014/main" id="{996B2349-9288-17E7-9F77-414A5E8E3B94}"/>
               </a:ext>
             </a:extLst>
           </p:cNvPr>
@@ -3594,8 +3931,262 @@
         </p:blipFill>
         <p:spPr>
           <a:xfrm>
-            <a:off x="587644" y="889684"/>
-            <a:ext cx="4439413" cy="5844746"/>
+            <a:off x="323850" y="1114170"/>
+            <a:ext cx="4487976" cy="3819954"/>
+          </a:xfrm>
+          <a:prstGeom prst="rect">
+            <a:avLst/>
+          </a:prstGeom>
+        </p:spPr>
+      </p:pic>
+      <p:pic>
+        <p:nvPicPr>
+          <p:cNvPr id="15" name="Picture 14">
+            <a:extLst>
+              <a:ext uri="{FF2B5EF4-FFF2-40B4-BE49-F238E27FC236}">
+                <a16:creationId xmlns:a16="http://schemas.microsoft.com/office/drawing/2014/main" id="{73B150AA-ECC2-7FDD-288E-085FF317D7E4}"/>
+              </a:ext>
+            </a:extLst>
+          </p:cNvPr>
+          <p:cNvPicPr>
+            <a:picLocks noChangeAspect="1"/>
+          </p:cNvPicPr>
+          <p:nvPr/>
+        </p:nvPicPr>
+        <p:blipFill>
+          <a:blip r:embed="rId3"/>
+          <a:stretch>
+            <a:fillRect/>
+          </a:stretch>
+        </p:blipFill>
+        <p:spPr>
+          <a:xfrm rot="21198086">
+            <a:off x="2147158" y="4934124"/>
+            <a:ext cx="2806700" cy="927100"/>
+          </a:xfrm>
+          <a:prstGeom prst="rect">
+            <a:avLst/>
+          </a:prstGeom>
+        </p:spPr>
+      </p:pic>
+      <mc:AlternateContent xmlns:mc="http://schemas.openxmlformats.org/markup-compatibility/2006">
+        <mc:Choice xmlns:p14="http://schemas.microsoft.com/office/powerpoint/2010/main" Requires="p14">
+          <p:contentPart p14:bwMode="auto" r:id="rId4">
+            <p14:nvContentPartPr>
+              <p14:cNvPr id="18" name="Ink 17">
+                <a:extLst>
+                  <a:ext uri="{FF2B5EF4-FFF2-40B4-BE49-F238E27FC236}">
+                    <a16:creationId xmlns:a16="http://schemas.microsoft.com/office/drawing/2014/main" id="{785608A3-A0A7-729D-D582-8FF49E649D3D}"/>
+                  </a:ext>
+                </a:extLst>
+              </p14:cNvPr>
+              <p14:cNvContentPartPr/>
+              <p14:nvPr/>
+            </p14:nvContentPartPr>
+            <p14:xfrm>
+              <a:off x="623734" y="3472541"/>
+              <a:ext cx="430560" cy="1131120"/>
+            </p14:xfrm>
+          </p:contentPart>
+        </mc:Choice>
+        <mc:Fallback>
+          <p:pic>
+            <p:nvPicPr>
+              <p:cNvPr id="18" name="Ink 17">
+                <a:extLst>
+                  <a:ext uri="{FF2B5EF4-FFF2-40B4-BE49-F238E27FC236}">
+                    <a16:creationId xmlns:a16="http://schemas.microsoft.com/office/drawing/2014/main" id="{785608A3-A0A7-729D-D582-8FF49E649D3D}"/>
+                  </a:ext>
+                </a:extLst>
+              </p:cNvPr>
+              <p:cNvPicPr/>
+              <p:nvPr/>
+            </p:nvPicPr>
+            <p:blipFill>
+              <a:blip r:embed="rId5"/>
+              <a:stretch>
+                <a:fillRect/>
+              </a:stretch>
+            </p:blipFill>
+            <p:spPr>
+              <a:xfrm>
+                <a:off x="561094" y="3409541"/>
+                <a:ext cx="556200" cy="1256760"/>
+              </a:xfrm>
+              <a:prstGeom prst="rect">
+                <a:avLst/>
+              </a:prstGeom>
+            </p:spPr>
+          </p:pic>
+        </mc:Fallback>
+      </mc:AlternateContent>
+      <mc:AlternateContent xmlns:mc="http://schemas.openxmlformats.org/markup-compatibility/2006">
+        <mc:Choice xmlns:p14="http://schemas.microsoft.com/office/powerpoint/2010/main" Requires="p14">
+          <p:contentPart p14:bwMode="auto" r:id="rId6">
+            <p14:nvContentPartPr>
+              <p14:cNvPr id="24" name="Ink 23">
+                <a:extLst>
+                  <a:ext uri="{FF2B5EF4-FFF2-40B4-BE49-F238E27FC236}">
+                    <a16:creationId xmlns:a16="http://schemas.microsoft.com/office/drawing/2014/main" id="{8865A81D-51B6-050B-F888-EE7C4D28A3E0}"/>
+                  </a:ext>
+                </a:extLst>
+              </p14:cNvPr>
+              <p14:cNvContentPartPr/>
+              <p14:nvPr/>
+            </p14:nvContentPartPr>
+            <p14:xfrm>
+              <a:off x="369934" y="5024501"/>
+              <a:ext cx="2118960" cy="1365120"/>
+            </p14:xfrm>
+          </p:contentPart>
+        </mc:Choice>
+        <mc:Fallback>
+          <p:pic>
+            <p:nvPicPr>
+              <p:cNvPr id="24" name="Ink 23">
+                <a:extLst>
+                  <a:ext uri="{FF2B5EF4-FFF2-40B4-BE49-F238E27FC236}">
+                    <a16:creationId xmlns:a16="http://schemas.microsoft.com/office/drawing/2014/main" id="{8865A81D-51B6-050B-F888-EE7C4D28A3E0}"/>
+                  </a:ext>
+                </a:extLst>
+              </p:cNvPr>
+              <p:cNvPicPr/>
+              <p:nvPr/>
+            </p:nvPicPr>
+            <p:blipFill>
+              <a:blip r:embed="rId7"/>
+              <a:stretch>
+                <a:fillRect/>
+              </a:stretch>
+            </p:blipFill>
+            <p:spPr>
+              <a:xfrm>
+                <a:off x="306934" y="4961501"/>
+                <a:ext cx="2244600" cy="1490760"/>
+              </a:xfrm>
+              <a:prstGeom prst="rect">
+                <a:avLst/>
+              </a:prstGeom>
+            </p:spPr>
+          </p:pic>
+        </mc:Fallback>
+      </mc:AlternateContent>
+      <p:sp>
+        <p:nvSpPr>
+          <p:cNvPr id="17" name="TextBox 16">
+            <a:extLst>
+              <a:ext uri="{FF2B5EF4-FFF2-40B4-BE49-F238E27FC236}">
+                <a16:creationId xmlns:a16="http://schemas.microsoft.com/office/drawing/2014/main" id="{8DDDEC10-9B57-90F9-582F-72766E3AD114}"/>
+              </a:ext>
+            </a:extLst>
+          </p:cNvPr>
+          <p:cNvSpPr txBox="1"/>
+          <p:nvPr/>
+        </p:nvSpPr>
+        <p:spPr>
+          <a:xfrm rot="20264086">
+            <a:off x="378396" y="4536697"/>
+            <a:ext cx="915635" cy="523220"/>
+          </a:xfrm>
+          <a:prstGeom prst="rect">
+            <a:avLst/>
+          </a:prstGeom>
+          <a:solidFill>
+            <a:srgbClr val="E71023"/>
+          </a:solidFill>
+        </p:spPr>
+        <p:txBody>
+          <a:bodyPr wrap="none" rtlCol="0">
+            <a:spAutoFit/>
+          </a:bodyPr>
+          <a:lstStyle/>
+          <a:p>
+            <a:r>
+              <a:rPr lang="en-US" sz="2800" dirty="0">
+                <a:solidFill>
+                  <a:schemeClr val="bg1"/>
+                </a:solidFill>
+              </a:rPr>
+              <a:t>click</a:t>
+            </a:r>
+          </a:p>
+        </p:txBody>
+      </p:sp>
+      <mc:AlternateContent xmlns:mc="http://schemas.openxmlformats.org/markup-compatibility/2006">
+        <mc:Choice xmlns:p14="http://schemas.microsoft.com/office/powerpoint/2010/main" Requires="p14">
+          <p:contentPart p14:bwMode="auto" r:id="rId8">
+            <p14:nvContentPartPr>
+              <p14:cNvPr id="25" name="Ink 24">
+                <a:extLst>
+                  <a:ext uri="{FF2B5EF4-FFF2-40B4-BE49-F238E27FC236}">
+                    <a16:creationId xmlns:a16="http://schemas.microsoft.com/office/drawing/2014/main" id="{79B773E8-2E0A-23BC-5D51-2188CD725002}"/>
+                  </a:ext>
+                </a:extLst>
+              </p14:cNvPr>
+              <p14:cNvContentPartPr/>
+              <p14:nvPr/>
+            </p14:nvContentPartPr>
+            <p14:xfrm>
+              <a:off x="1300534" y="3887621"/>
+              <a:ext cx="936000" cy="23400"/>
+            </p14:xfrm>
+          </p:contentPart>
+        </mc:Choice>
+        <mc:Fallback>
+          <p:pic>
+            <p:nvPicPr>
+              <p:cNvPr id="25" name="Ink 24">
+                <a:extLst>
+                  <a:ext uri="{FF2B5EF4-FFF2-40B4-BE49-F238E27FC236}">
+                    <a16:creationId xmlns:a16="http://schemas.microsoft.com/office/drawing/2014/main" id="{79B773E8-2E0A-23BC-5D51-2188CD725002}"/>
+                  </a:ext>
+                </a:extLst>
+              </p:cNvPr>
+              <p:cNvPicPr/>
+              <p:nvPr/>
+            </p:nvPicPr>
+            <p:blipFill>
+              <a:blip r:embed="rId9"/>
+              <a:stretch>
+                <a:fillRect/>
+              </a:stretch>
+            </p:blipFill>
+            <p:spPr>
+              <a:xfrm>
+                <a:off x="1237894" y="3824981"/>
+                <a:ext cx="1061640" cy="149040"/>
+              </a:xfrm>
+              <a:prstGeom prst="rect">
+                <a:avLst/>
+              </a:prstGeom>
+            </p:spPr>
+          </p:pic>
+        </mc:Fallback>
+      </mc:AlternateContent>
+      <p:pic>
+        <p:nvPicPr>
+          <p:cNvPr id="26" name="Picture 25">
+            <a:extLst>
+              <a:ext uri="{FF2B5EF4-FFF2-40B4-BE49-F238E27FC236}">
+                <a16:creationId xmlns:a16="http://schemas.microsoft.com/office/drawing/2014/main" id="{626CFE43-7D64-F103-7C26-8BDC938B1CFF}"/>
+              </a:ext>
+            </a:extLst>
+          </p:cNvPr>
+          <p:cNvPicPr>
+            <a:picLocks noChangeAspect="1"/>
+          </p:cNvPicPr>
+          <p:nvPr/>
+        </p:nvPicPr>
+        <p:blipFill>
+          <a:blip r:embed="rId10"/>
+          <a:stretch>
+            <a:fillRect/>
+          </a:stretch>
+        </p:blipFill>
+        <p:spPr>
+          <a:xfrm>
+            <a:off x="5956919" y="974338"/>
+            <a:ext cx="4373331" cy="5757746"/>
           </a:xfrm>
           <a:prstGeom prst="rect">
             <a:avLst/>
@@ -3623,7 +4214,7 @@
         </p:nvSpPr>
         <p:spPr>
           <a:xfrm>
-            <a:off x="5470631" y="4287793"/>
+            <a:off x="5445918" y="4896894"/>
             <a:ext cx="6244595" cy="1292662"/>
           </a:xfrm>
           <a:prstGeom prst="rect">
@@ -3677,7 +4268,7 @@
         </p:nvSpPr>
         <p:spPr>
           <a:xfrm>
-            <a:off x="5470631" y="1797784"/>
+            <a:off x="5445918" y="2406885"/>
             <a:ext cx="6523661" cy="1631216"/>
           </a:xfrm>
           <a:prstGeom prst="rect">
@@ -3721,7 +4312,7 @@
         <p:cNvPr id="1" name="">
           <a:extLst>
             <a:ext uri="{FF2B5EF4-FFF2-40B4-BE49-F238E27FC236}">
-              <a16:creationId xmlns:a16="http://schemas.microsoft.com/office/drawing/2014/main" id="{685CF4EE-EFAD-110D-4D01-BF7EB6ED3556}"/>
+              <a16:creationId xmlns:a16="http://schemas.microsoft.com/office/drawing/2014/main" id="{3F82EFAA-3018-24DC-939E-6D022046718B}"/>
             </a:ext>
           </a:extLst>
         </p:cNvPr>
@@ -3741,7 +4332,7 @@
           <p:cNvPr id="5" name="Rectangle 4">
             <a:extLst>
               <a:ext uri="{FF2B5EF4-FFF2-40B4-BE49-F238E27FC236}">
-                <a16:creationId xmlns:a16="http://schemas.microsoft.com/office/drawing/2014/main" id="{9828E015-D460-5704-E0EC-BE4C7CAD6B70}"/>
+                <a16:creationId xmlns:a16="http://schemas.microsoft.com/office/drawing/2014/main" id="{5CCC4B36-5C95-2231-CF6E-936021D9D219}"/>
               </a:ext>
             </a:extLst>
           </p:cNvPr>
@@ -3790,7 +4381,7 @@
           <p:cNvPr id="4" name="TextBox 3">
             <a:extLst>
               <a:ext uri="{FF2B5EF4-FFF2-40B4-BE49-F238E27FC236}">
-                <a16:creationId xmlns:a16="http://schemas.microsoft.com/office/drawing/2014/main" id="{E5800C82-52E0-FD64-8689-DB0F3B7E5CD9}"/>
+                <a16:creationId xmlns:a16="http://schemas.microsoft.com/office/drawing/2014/main" id="{EF9A1479-9BD1-E8A9-22B8-4EAD22EFA30D}"/>
               </a:ext>
             </a:extLst>
           </p:cNvPr>
@@ -3846,7 +4437,7 @@
           <p:cNvPr id="2" name="Picture 1">
             <a:extLst>
               <a:ext uri="{FF2B5EF4-FFF2-40B4-BE49-F238E27FC236}">
-                <a16:creationId xmlns:a16="http://schemas.microsoft.com/office/drawing/2014/main" id="{35FD2D88-A6CF-44CD-2669-6C1BEF75CE18}"/>
+                <a16:creationId xmlns:a16="http://schemas.microsoft.com/office/drawing/2014/main" id="{9E672943-FC87-C957-90DE-A9C47EB52679}"/>
               </a:ext>
             </a:extLst>
           </p:cNvPr>
@@ -3863,8 +4454,703 @@
         </p:blipFill>
         <p:spPr>
           <a:xfrm>
-            <a:off x="1230725" y="1183598"/>
-            <a:ext cx="9640330" cy="5148939"/>
+            <a:off x="865935" y="974338"/>
+            <a:ext cx="4373331" cy="5757746"/>
+          </a:xfrm>
+          <a:prstGeom prst="rect">
+            <a:avLst/>
+          </a:prstGeom>
+          <a:ln w="12700">
+            <a:solidFill>
+              <a:schemeClr val="accent1">
+                <a:shade val="15000"/>
+              </a:schemeClr>
+            </a:solidFill>
+          </a:ln>
+        </p:spPr>
+      </p:pic>
+      <p:pic>
+        <p:nvPicPr>
+          <p:cNvPr id="3" name="Picture 2">
+            <a:extLst>
+              <a:ext uri="{FF2B5EF4-FFF2-40B4-BE49-F238E27FC236}">
+                <a16:creationId xmlns:a16="http://schemas.microsoft.com/office/drawing/2014/main" id="{D8CBD1D2-C92C-0C39-52AF-59A210BB82DF}"/>
+              </a:ext>
+            </a:extLst>
+          </p:cNvPr>
+          <p:cNvPicPr>
+            <a:picLocks noChangeAspect="1"/>
+          </p:cNvPicPr>
+          <p:nvPr/>
+        </p:nvPicPr>
+        <p:blipFill>
+          <a:blip r:embed="rId2"/>
+          <a:stretch>
+            <a:fillRect/>
+          </a:stretch>
+        </p:blipFill>
+        <p:spPr>
+          <a:xfrm rot="21417366">
+            <a:off x="5267716" y="2888901"/>
+            <a:ext cx="7780822" cy="10243908"/>
+          </a:xfrm>
+          <a:prstGeom prst="rect">
+            <a:avLst/>
+          </a:prstGeom>
+          <a:ln w="12700">
+            <a:solidFill>
+              <a:schemeClr val="accent1">
+                <a:shade val="15000"/>
+              </a:schemeClr>
+            </a:solidFill>
+          </a:ln>
+        </p:spPr>
+      </p:pic>
+      <p:grpSp>
+        <p:nvGrpSpPr>
+          <p:cNvPr id="47" name="Group 46">
+            <a:extLst>
+              <a:ext uri="{FF2B5EF4-FFF2-40B4-BE49-F238E27FC236}">
+                <a16:creationId xmlns:a16="http://schemas.microsoft.com/office/drawing/2014/main" id="{9A953515-CA79-7BA4-E0C8-3A8B585061E1}"/>
+              </a:ext>
+            </a:extLst>
+          </p:cNvPr>
+          <p:cNvGrpSpPr/>
+          <p:nvPr/>
+        </p:nvGrpSpPr>
+        <p:grpSpPr>
+          <a:xfrm>
+            <a:off x="5557534" y="1076021"/>
+            <a:ext cx="2232360" cy="1992240"/>
+            <a:chOff x="5557534" y="1076021"/>
+            <a:chExt cx="2232360" cy="1992240"/>
+          </a:xfrm>
+        </p:grpSpPr>
+        <mc:AlternateContent xmlns:mc="http://schemas.openxmlformats.org/markup-compatibility/2006">
+          <mc:Choice xmlns:p14="http://schemas.microsoft.com/office/powerpoint/2010/main" Requires="p14">
+            <p:contentPart p14:bwMode="auto" r:id="rId3">
+              <p14:nvContentPartPr>
+                <p14:cNvPr id="25" name="Ink 24">
+                  <a:extLst>
+                    <a:ext uri="{FF2B5EF4-FFF2-40B4-BE49-F238E27FC236}">
+                      <a16:creationId xmlns:a16="http://schemas.microsoft.com/office/drawing/2014/main" id="{E7B595AA-EDD4-BA8D-9BD4-42C25D92A427}"/>
+                    </a:ext>
+                  </a:extLst>
+                </p14:cNvPr>
+                <p14:cNvContentPartPr/>
+                <p14:nvPr/>
+              </p14:nvContentPartPr>
+              <p14:xfrm>
+                <a:off x="6106534" y="1557341"/>
+                <a:ext cx="360" cy="360"/>
+              </p14:xfrm>
+            </p:contentPart>
+          </mc:Choice>
+          <mc:Fallback>
+            <p:pic>
+              <p:nvPicPr>
+                <p:cNvPr id="25" name="Ink 24">
+                  <a:extLst>
+                    <a:ext uri="{FF2B5EF4-FFF2-40B4-BE49-F238E27FC236}">
+                      <a16:creationId xmlns:a16="http://schemas.microsoft.com/office/drawing/2014/main" id="{E7B595AA-EDD4-BA8D-9BD4-42C25D92A427}"/>
+                    </a:ext>
+                  </a:extLst>
+                </p:cNvPr>
+                <p:cNvPicPr/>
+                <p:nvPr/>
+              </p:nvPicPr>
+              <p:blipFill>
+                <a:blip r:embed="rId4"/>
+                <a:stretch>
+                  <a:fillRect/>
+                </a:stretch>
+              </p:blipFill>
+              <p:spPr>
+                <a:xfrm>
+                  <a:off x="6043534" y="1494341"/>
+                  <a:ext cx="126000" cy="126000"/>
+                </a:xfrm>
+                <a:prstGeom prst="rect">
+                  <a:avLst/>
+                </a:prstGeom>
+              </p:spPr>
+            </p:pic>
+          </mc:Fallback>
+        </mc:AlternateContent>
+        <mc:AlternateContent xmlns:mc="http://schemas.openxmlformats.org/markup-compatibility/2006">
+          <mc:Choice xmlns:p14="http://schemas.microsoft.com/office/powerpoint/2010/main" Requires="p14">
+            <p:contentPart p14:bwMode="auto" r:id="rId5">
+              <p14:nvContentPartPr>
+                <p14:cNvPr id="26" name="Ink 25">
+                  <a:extLst>
+                    <a:ext uri="{FF2B5EF4-FFF2-40B4-BE49-F238E27FC236}">
+                      <a16:creationId xmlns:a16="http://schemas.microsoft.com/office/drawing/2014/main" id="{869A64DF-9B76-524B-940D-8680DEDC62F0}"/>
+                    </a:ext>
+                  </a:extLst>
+                </p14:cNvPr>
+                <p14:cNvContentPartPr/>
+                <p14:nvPr/>
+              </p14:nvContentPartPr>
+              <p14:xfrm>
+                <a:off x="6673534" y="1543301"/>
+                <a:ext cx="360" cy="360"/>
+              </p14:xfrm>
+            </p:contentPart>
+          </mc:Choice>
+          <mc:Fallback>
+            <p:pic>
+              <p:nvPicPr>
+                <p:cNvPr id="26" name="Ink 25">
+                  <a:extLst>
+                    <a:ext uri="{FF2B5EF4-FFF2-40B4-BE49-F238E27FC236}">
+                      <a16:creationId xmlns:a16="http://schemas.microsoft.com/office/drawing/2014/main" id="{869A64DF-9B76-524B-940D-8680DEDC62F0}"/>
+                    </a:ext>
+                  </a:extLst>
+                </p:cNvPr>
+                <p:cNvPicPr/>
+                <p:nvPr/>
+              </p:nvPicPr>
+              <p:blipFill>
+                <a:blip r:embed="rId4"/>
+                <a:stretch>
+                  <a:fillRect/>
+                </a:stretch>
+              </p:blipFill>
+              <p:spPr>
+                <a:xfrm>
+                  <a:off x="6610534" y="1480661"/>
+                  <a:ext cx="126000" cy="126000"/>
+                </a:xfrm>
+                <a:prstGeom prst="rect">
+                  <a:avLst/>
+                </a:prstGeom>
+              </p:spPr>
+            </p:pic>
+          </mc:Fallback>
+        </mc:AlternateContent>
+        <mc:AlternateContent xmlns:mc="http://schemas.openxmlformats.org/markup-compatibility/2006">
+          <mc:Choice xmlns:p14="http://schemas.microsoft.com/office/powerpoint/2010/main" Requires="p14">
+            <p:contentPart p14:bwMode="auto" r:id="rId6">
+              <p14:nvContentPartPr>
+                <p14:cNvPr id="27" name="Ink 26">
+                  <a:extLst>
+                    <a:ext uri="{FF2B5EF4-FFF2-40B4-BE49-F238E27FC236}">
+                      <a16:creationId xmlns:a16="http://schemas.microsoft.com/office/drawing/2014/main" id="{9EF970D0-73E8-AF28-70F5-438B95234048}"/>
+                    </a:ext>
+                  </a:extLst>
+                </p14:cNvPr>
+                <p14:cNvContentPartPr/>
+                <p14:nvPr/>
+              </p14:nvContentPartPr>
+              <p14:xfrm>
+                <a:off x="6148294" y="1995461"/>
+                <a:ext cx="434880" cy="163440"/>
+              </p14:xfrm>
+            </p:contentPart>
+          </mc:Choice>
+          <mc:Fallback>
+            <p:pic>
+              <p:nvPicPr>
+                <p:cNvPr id="27" name="Ink 26">
+                  <a:extLst>
+                    <a:ext uri="{FF2B5EF4-FFF2-40B4-BE49-F238E27FC236}">
+                      <a16:creationId xmlns:a16="http://schemas.microsoft.com/office/drawing/2014/main" id="{9EF970D0-73E8-AF28-70F5-438B95234048}"/>
+                    </a:ext>
+                  </a:extLst>
+                </p:cNvPr>
+                <p:cNvPicPr/>
+                <p:nvPr/>
+              </p:nvPicPr>
+              <p:blipFill>
+                <a:blip r:embed="rId7"/>
+                <a:stretch>
+                  <a:fillRect/>
+                </a:stretch>
+              </p:blipFill>
+              <p:spPr>
+                <a:xfrm>
+                  <a:off x="6085294" y="1932461"/>
+                  <a:ext cx="560520" cy="289080"/>
+                </a:xfrm>
+                <a:prstGeom prst="rect">
+                  <a:avLst/>
+                </a:prstGeom>
+              </p:spPr>
+            </p:pic>
+          </mc:Fallback>
+        </mc:AlternateContent>
+        <mc:AlternateContent xmlns:mc="http://schemas.openxmlformats.org/markup-compatibility/2006">
+          <mc:Choice xmlns:p14="http://schemas.microsoft.com/office/powerpoint/2010/main" Requires="p14">
+            <p:contentPart p14:bwMode="auto" r:id="rId8">
+              <p14:nvContentPartPr>
+                <p14:cNvPr id="28" name="Ink 27">
+                  <a:extLst>
+                    <a:ext uri="{FF2B5EF4-FFF2-40B4-BE49-F238E27FC236}">
+                      <a16:creationId xmlns:a16="http://schemas.microsoft.com/office/drawing/2014/main" id="{B5EF550A-25B3-D6D4-D198-10CEC5F6A49F}"/>
+                    </a:ext>
+                  </a:extLst>
+                </p14:cNvPr>
+                <p14:cNvContentPartPr/>
+                <p14:nvPr/>
+              </p14:nvContentPartPr>
+              <p14:xfrm>
+                <a:off x="5724214" y="1076021"/>
+                <a:ext cx="2065680" cy="1416240"/>
+              </p14:xfrm>
+            </p:contentPart>
+          </mc:Choice>
+          <mc:Fallback>
+            <p:pic>
+              <p:nvPicPr>
+                <p:cNvPr id="28" name="Ink 27">
+                  <a:extLst>
+                    <a:ext uri="{FF2B5EF4-FFF2-40B4-BE49-F238E27FC236}">
+                      <a16:creationId xmlns:a16="http://schemas.microsoft.com/office/drawing/2014/main" id="{B5EF550A-25B3-D6D4-D198-10CEC5F6A49F}"/>
+                    </a:ext>
+                  </a:extLst>
+                </p:cNvPr>
+                <p:cNvPicPr/>
+                <p:nvPr/>
+              </p:nvPicPr>
+              <p:blipFill>
+                <a:blip r:embed="rId9"/>
+                <a:stretch>
+                  <a:fillRect/>
+                </a:stretch>
+              </p:blipFill>
+              <p:spPr>
+                <a:xfrm>
+                  <a:off x="5661214" y="1013021"/>
+                  <a:ext cx="2191320" cy="1541880"/>
+                </a:xfrm>
+                <a:prstGeom prst="rect">
+                  <a:avLst/>
+                </a:prstGeom>
+              </p:spPr>
+            </p:pic>
+          </mc:Fallback>
+        </mc:AlternateContent>
+        <mc:AlternateContent xmlns:mc="http://schemas.openxmlformats.org/markup-compatibility/2006">
+          <mc:Choice xmlns:p14="http://schemas.microsoft.com/office/powerpoint/2010/main" Requires="p14">
+            <p:contentPart p14:bwMode="auto" r:id="rId10">
+              <p14:nvContentPartPr>
+                <p14:cNvPr id="31" name="Ink 30">
+                  <a:extLst>
+                    <a:ext uri="{FF2B5EF4-FFF2-40B4-BE49-F238E27FC236}">
+                      <a16:creationId xmlns:a16="http://schemas.microsoft.com/office/drawing/2014/main" id="{AE1BE8D4-0567-20DB-4F3A-5E23C11E7158}"/>
+                    </a:ext>
+                  </a:extLst>
+                </p14:cNvPr>
+                <p14:cNvContentPartPr/>
+                <p14:nvPr/>
+              </p14:nvContentPartPr>
+              <p14:xfrm>
+                <a:off x="6958294" y="2539061"/>
+                <a:ext cx="62280" cy="300960"/>
+              </p14:xfrm>
+            </p:contentPart>
+          </mc:Choice>
+          <mc:Fallback>
+            <p:pic>
+              <p:nvPicPr>
+                <p:cNvPr id="31" name="Ink 30">
+                  <a:extLst>
+                    <a:ext uri="{FF2B5EF4-FFF2-40B4-BE49-F238E27FC236}">
+                      <a16:creationId xmlns:a16="http://schemas.microsoft.com/office/drawing/2014/main" id="{AE1BE8D4-0567-20DB-4F3A-5E23C11E7158}"/>
+                    </a:ext>
+                  </a:extLst>
+                </p:cNvPr>
+                <p:cNvPicPr/>
+                <p:nvPr/>
+              </p:nvPicPr>
+              <p:blipFill>
+                <a:blip r:embed="rId11"/>
+                <a:stretch>
+                  <a:fillRect/>
+                </a:stretch>
+              </p:blipFill>
+              <p:spPr>
+                <a:xfrm>
+                  <a:off x="6895654" y="2476421"/>
+                  <a:ext cx="187920" cy="426600"/>
+                </a:xfrm>
+                <a:prstGeom prst="rect">
+                  <a:avLst/>
+                </a:prstGeom>
+              </p:spPr>
+            </p:pic>
+          </mc:Fallback>
+        </mc:AlternateContent>
+        <mc:AlternateContent xmlns:mc="http://schemas.openxmlformats.org/markup-compatibility/2006">
+          <mc:Choice xmlns:p14="http://schemas.microsoft.com/office/powerpoint/2010/main" Requires="p14">
+            <p:contentPart p14:bwMode="auto" r:id="rId12">
+              <p14:nvContentPartPr>
+                <p14:cNvPr id="34" name="Ink 33">
+                  <a:extLst>
+                    <a:ext uri="{FF2B5EF4-FFF2-40B4-BE49-F238E27FC236}">
+                      <a16:creationId xmlns:a16="http://schemas.microsoft.com/office/drawing/2014/main" id="{6B443619-0096-B706-C114-2B487C352433}"/>
+                    </a:ext>
+                  </a:extLst>
+                </p14:cNvPr>
+                <p14:cNvContentPartPr/>
+                <p14:nvPr/>
+              </p14:nvContentPartPr>
+              <p14:xfrm>
+                <a:off x="6136054" y="2568581"/>
+                <a:ext cx="175680" cy="499680"/>
+              </p14:xfrm>
+            </p:contentPart>
+          </mc:Choice>
+          <mc:Fallback>
+            <p:pic>
+              <p:nvPicPr>
+                <p:cNvPr id="34" name="Ink 33">
+                  <a:extLst>
+                    <a:ext uri="{FF2B5EF4-FFF2-40B4-BE49-F238E27FC236}">
+                      <a16:creationId xmlns:a16="http://schemas.microsoft.com/office/drawing/2014/main" id="{6B443619-0096-B706-C114-2B487C352433}"/>
+                    </a:ext>
+                  </a:extLst>
+                </p:cNvPr>
+                <p:cNvPicPr/>
+                <p:nvPr/>
+              </p:nvPicPr>
+              <p:blipFill>
+                <a:blip r:embed="rId13"/>
+                <a:stretch>
+                  <a:fillRect/>
+                </a:stretch>
+              </p:blipFill>
+              <p:spPr>
+                <a:xfrm>
+                  <a:off x="6073054" y="2505581"/>
+                  <a:ext cx="301320" cy="625320"/>
+                </a:xfrm>
+                <a:prstGeom prst="rect">
+                  <a:avLst/>
+                </a:prstGeom>
+              </p:spPr>
+            </p:pic>
+          </mc:Fallback>
+        </mc:AlternateContent>
+        <mc:AlternateContent xmlns:mc="http://schemas.openxmlformats.org/markup-compatibility/2006">
+          <mc:Choice xmlns:p14="http://schemas.microsoft.com/office/powerpoint/2010/main" Requires="p14">
+            <p:contentPart p14:bwMode="auto" r:id="rId14">
+              <p14:nvContentPartPr>
+                <p14:cNvPr id="37" name="Ink 36">
+                  <a:extLst>
+                    <a:ext uri="{FF2B5EF4-FFF2-40B4-BE49-F238E27FC236}">
+                      <a16:creationId xmlns:a16="http://schemas.microsoft.com/office/drawing/2014/main" id="{44972AF4-478A-82AC-C350-EB9FC6CD0C5C}"/>
+                    </a:ext>
+                  </a:extLst>
+                </p14:cNvPr>
+                <p14:cNvContentPartPr/>
+                <p14:nvPr/>
+              </p14:nvContentPartPr>
+              <p14:xfrm>
+                <a:off x="7043614" y="2908061"/>
+                <a:ext cx="145440" cy="113400"/>
+              </p14:xfrm>
+            </p:contentPart>
+          </mc:Choice>
+          <mc:Fallback>
+            <p:pic>
+              <p:nvPicPr>
+                <p:cNvPr id="37" name="Ink 36">
+                  <a:extLst>
+                    <a:ext uri="{FF2B5EF4-FFF2-40B4-BE49-F238E27FC236}">
+                      <a16:creationId xmlns:a16="http://schemas.microsoft.com/office/drawing/2014/main" id="{44972AF4-478A-82AC-C350-EB9FC6CD0C5C}"/>
+                    </a:ext>
+                  </a:extLst>
+                </p:cNvPr>
+                <p:cNvPicPr/>
+                <p:nvPr/>
+              </p:nvPicPr>
+              <p:blipFill>
+                <a:blip r:embed="rId15"/>
+                <a:stretch>
+                  <a:fillRect/>
+                </a:stretch>
+              </p:blipFill>
+              <p:spPr>
+                <a:xfrm>
+                  <a:off x="6980974" y="2845061"/>
+                  <a:ext cx="271080" cy="239040"/>
+                </a:xfrm>
+                <a:prstGeom prst="rect">
+                  <a:avLst/>
+                </a:prstGeom>
+              </p:spPr>
+            </p:pic>
+          </mc:Fallback>
+        </mc:AlternateContent>
+        <mc:AlternateContent xmlns:mc="http://schemas.openxmlformats.org/markup-compatibility/2006">
+          <mc:Choice xmlns:p14="http://schemas.microsoft.com/office/powerpoint/2010/main" Requires="p14">
+            <p:contentPart p14:bwMode="auto" r:id="rId16">
+              <p14:nvContentPartPr>
+                <p14:cNvPr id="42" name="Ink 41">
+                  <a:extLst>
+                    <a:ext uri="{FF2B5EF4-FFF2-40B4-BE49-F238E27FC236}">
+                      <a16:creationId xmlns:a16="http://schemas.microsoft.com/office/drawing/2014/main" id="{998E452B-2C05-C495-00F1-CFC51E4BA648}"/>
+                    </a:ext>
+                  </a:extLst>
+                </p14:cNvPr>
+                <p14:cNvContentPartPr/>
+                <p14:nvPr/>
+              </p14:nvContentPartPr>
+              <p14:xfrm>
+                <a:off x="7413694" y="2028581"/>
+                <a:ext cx="304920" cy="627840"/>
+              </p14:xfrm>
+            </p:contentPart>
+          </mc:Choice>
+          <mc:Fallback>
+            <p:pic>
+              <p:nvPicPr>
+                <p:cNvPr id="42" name="Ink 41">
+                  <a:extLst>
+                    <a:ext uri="{FF2B5EF4-FFF2-40B4-BE49-F238E27FC236}">
+                      <a16:creationId xmlns:a16="http://schemas.microsoft.com/office/drawing/2014/main" id="{998E452B-2C05-C495-00F1-CFC51E4BA648}"/>
+                    </a:ext>
+                  </a:extLst>
+                </p:cNvPr>
+                <p:cNvPicPr/>
+                <p:nvPr/>
+              </p:nvPicPr>
+              <p:blipFill>
+                <a:blip r:embed="rId17"/>
+                <a:stretch>
+                  <a:fillRect/>
+                </a:stretch>
+              </p:blipFill>
+              <p:spPr>
+                <a:xfrm>
+                  <a:off x="7350694" y="1965581"/>
+                  <a:ext cx="430560" cy="753480"/>
+                </a:xfrm>
+                <a:prstGeom prst="rect">
+                  <a:avLst/>
+                </a:prstGeom>
+              </p:spPr>
+            </p:pic>
+          </mc:Fallback>
+        </mc:AlternateContent>
+        <mc:AlternateContent xmlns:mc="http://schemas.openxmlformats.org/markup-compatibility/2006">
+          <mc:Choice xmlns:p14="http://schemas.microsoft.com/office/powerpoint/2010/main" Requires="p14">
+            <p:contentPart p14:bwMode="auto" r:id="rId18">
+              <p14:nvContentPartPr>
+                <p14:cNvPr id="45" name="Ink 44">
+                  <a:extLst>
+                    <a:ext uri="{FF2B5EF4-FFF2-40B4-BE49-F238E27FC236}">
+                      <a16:creationId xmlns:a16="http://schemas.microsoft.com/office/drawing/2014/main" id="{2B0376E2-1C35-0CF9-9255-E65E9B128B02}"/>
+                    </a:ext>
+                  </a:extLst>
+                </p14:cNvPr>
+                <p14:cNvContentPartPr/>
+                <p14:nvPr/>
+              </p14:nvContentPartPr>
+              <p14:xfrm>
+                <a:off x="5557534" y="1950101"/>
+                <a:ext cx="109080" cy="492120"/>
+              </p14:xfrm>
+            </p:contentPart>
+          </mc:Choice>
+          <mc:Fallback>
+            <p:pic>
+              <p:nvPicPr>
+                <p:cNvPr id="45" name="Ink 44">
+                  <a:extLst>
+                    <a:ext uri="{FF2B5EF4-FFF2-40B4-BE49-F238E27FC236}">
+                      <a16:creationId xmlns:a16="http://schemas.microsoft.com/office/drawing/2014/main" id="{2B0376E2-1C35-0CF9-9255-E65E9B128B02}"/>
+                    </a:ext>
+                  </a:extLst>
+                </p:cNvPr>
+                <p:cNvPicPr/>
+                <p:nvPr/>
+              </p:nvPicPr>
+              <p:blipFill>
+                <a:blip r:embed="rId19"/>
+                <a:stretch>
+                  <a:fillRect/>
+                </a:stretch>
+              </p:blipFill>
+              <p:spPr>
+                <a:xfrm>
+                  <a:off x="5494894" y="1887101"/>
+                  <a:ext cx="234720" cy="617760"/>
+                </a:xfrm>
+                <a:prstGeom prst="rect">
+                  <a:avLst/>
+                </a:prstGeom>
+              </p:spPr>
+            </p:pic>
+          </mc:Fallback>
+        </mc:AlternateContent>
+      </p:grpSp>
+    </p:spTree>
+    <p:extLst>
+      <p:ext uri="{BB962C8B-B14F-4D97-AF65-F5344CB8AC3E}">
+        <p14:creationId xmlns:p14="http://schemas.microsoft.com/office/powerpoint/2010/main" val="3040068573"/>
+      </p:ext>
+    </p:extLst>
+  </p:cSld>
+  <p:clrMapOvr>
+    <a:masterClrMapping/>
+  </p:clrMapOvr>
+</p:sld>
+</file>
+
+<file path=ppt/slides/slide3.xml><?xml version="1.0" encoding="utf-8"?>
+<p:sld xmlns:a="http://schemas.openxmlformats.org/drawingml/2006/main" xmlns:r="http://schemas.openxmlformats.org/officeDocument/2006/relationships" xmlns:p="http://schemas.openxmlformats.org/presentationml/2006/main">
+  <p:cSld>
+    <p:spTree>
+      <p:nvGrpSpPr>
+        <p:cNvPr id="1" name="">
+          <a:extLst>
+            <a:ext uri="{FF2B5EF4-FFF2-40B4-BE49-F238E27FC236}">
+              <a16:creationId xmlns:a16="http://schemas.microsoft.com/office/drawing/2014/main" id="{685CF4EE-EFAD-110D-4D01-BF7EB6ED3556}"/>
+            </a:ext>
+          </a:extLst>
+        </p:cNvPr>
+        <p:cNvGrpSpPr/>
+        <p:nvPr/>
+      </p:nvGrpSpPr>
+      <p:grpSpPr>
+        <a:xfrm>
+          <a:off x="0" y="0"/>
+          <a:ext cx="0" cy="0"/>
+          <a:chOff x="0" y="0"/>
+          <a:chExt cx="0" cy="0"/>
+        </a:xfrm>
+      </p:grpSpPr>
+      <p:sp>
+        <p:nvSpPr>
+          <p:cNvPr id="5" name="Rectangle 4">
+            <a:extLst>
+              <a:ext uri="{FF2B5EF4-FFF2-40B4-BE49-F238E27FC236}">
+                <a16:creationId xmlns:a16="http://schemas.microsoft.com/office/drawing/2014/main" id="{9828E015-D460-5704-E0EC-BE4C7CAD6B70}"/>
+              </a:ext>
+            </a:extLst>
+          </p:cNvPr>
+          <p:cNvSpPr/>
+          <p:nvPr/>
+        </p:nvSpPr>
+        <p:spPr>
+          <a:xfrm>
+            <a:off x="0" y="-1"/>
+            <a:ext cx="12192000" cy="744279"/>
+          </a:xfrm>
+          <a:prstGeom prst="rect">
+            <a:avLst/>
+          </a:prstGeom>
+          <a:solidFill>
+            <a:schemeClr val="tx1"/>
+          </a:solidFill>
+        </p:spPr>
+        <p:style>
+          <a:lnRef idx="2">
+            <a:schemeClr val="accent1">
+              <a:shade val="15000"/>
+            </a:schemeClr>
+          </a:lnRef>
+          <a:fillRef idx="1">
+            <a:schemeClr val="accent1"/>
+          </a:fillRef>
+          <a:effectRef idx="0">
+            <a:schemeClr val="accent1"/>
+          </a:effectRef>
+          <a:fontRef idx="minor">
+            <a:schemeClr val="lt1"/>
+          </a:fontRef>
+        </p:style>
+        <p:txBody>
+          <a:bodyPr rtlCol="0" anchor="ctr"/>
+          <a:lstStyle/>
+          <a:p>
+            <a:pPr algn="ctr"/>
+            <a:endParaRPr lang="en-US"/>
+          </a:p>
+        </p:txBody>
+      </p:sp>
+      <p:sp>
+        <p:nvSpPr>
+          <p:cNvPr id="4" name="TextBox 3">
+            <a:extLst>
+              <a:ext uri="{FF2B5EF4-FFF2-40B4-BE49-F238E27FC236}">
+                <a16:creationId xmlns:a16="http://schemas.microsoft.com/office/drawing/2014/main" id="{E5800C82-52E0-FD64-8689-DB0F3B7E5CD9}"/>
+              </a:ext>
+            </a:extLst>
+          </p:cNvPr>
+          <p:cNvSpPr txBox="1"/>
+          <p:nvPr/>
+        </p:nvSpPr>
+        <p:spPr>
+          <a:xfrm>
+            <a:off x="1230725" y="125916"/>
+            <a:ext cx="9730549" cy="492443"/>
+          </a:xfrm>
+          <a:prstGeom prst="rect">
+            <a:avLst/>
+          </a:prstGeom>
+          <a:noFill/>
+        </p:spPr>
+        <p:txBody>
+          <a:bodyPr wrap="none" rtlCol="0">
+            <a:spAutoFit/>
+          </a:bodyPr>
+          <a:lstStyle/>
+          <a:p>
+            <a:pPr algn="ctr"/>
+            <a:r>
+              <a:rPr lang="en-US" sz="2600" dirty="0">
+                <a:solidFill>
+                  <a:schemeClr val="bg1"/>
+                </a:solidFill>
+              </a:rPr>
+              <a:t>Visit </a:t>
+            </a:r>
+            <a:r>
+              <a:rPr lang="en-US" sz="2600" b="1" dirty="0">
+                <a:solidFill>
+                  <a:schemeClr val="bg1"/>
+                </a:solidFill>
+              </a:rPr>
+              <a:t>https://bit.ly/ire25-pdfs</a:t>
+            </a:r>
+            <a:r>
+              <a:rPr lang="en-US" sz="2600" dirty="0">
+                <a:solidFill>
+                  <a:schemeClr val="bg1"/>
+                </a:solidFill>
+              </a:rPr>
+              <a:t>, scroll down down down down down</a:t>
+            </a:r>
+          </a:p>
+        </p:txBody>
+      </p:sp>
+      <p:pic>
+        <p:nvPicPr>
+          <p:cNvPr id="2" name="Picture 1">
+            <a:extLst>
+              <a:ext uri="{FF2B5EF4-FFF2-40B4-BE49-F238E27FC236}">
+                <a16:creationId xmlns:a16="http://schemas.microsoft.com/office/drawing/2014/main" id="{35FD2D88-A6CF-44CD-2669-6C1BEF75CE18}"/>
+              </a:ext>
+            </a:extLst>
+          </p:cNvPr>
+          <p:cNvPicPr>
+            <a:picLocks noChangeAspect="1"/>
+          </p:cNvPicPr>
+          <p:nvPr/>
+        </p:nvPicPr>
+        <p:blipFill>
+          <a:blip r:embed="rId2"/>
+          <a:stretch>
+            <a:fillRect/>
+          </a:stretch>
+        </p:blipFill>
+        <p:spPr>
+          <a:xfrm>
+            <a:off x="-1927832" y="1183598"/>
+            <a:ext cx="12798887" cy="6835937"/>
           </a:xfrm>
           <a:prstGeom prst="rect">
             <a:avLst/>
@@ -3893,7 +5179,7 @@
               <p14:nvPr/>
             </p14:nvContentPartPr>
             <p14:xfrm>
-              <a:off x="7906534" y="2314421"/>
+              <a:off x="6942707" y="2734550"/>
               <a:ext cx="1086840" cy="838080"/>
             </p14:xfrm>
           </p:contentPart>
@@ -3919,7 +5205,7 @@
             </p:blipFill>
             <p:spPr>
               <a:xfrm>
-                <a:off x="7843894" y="2251781"/>
+                <a:off x="6880067" y="2671910"/>
                 <a:ext cx="1212480" cy="963720"/>
               </a:xfrm>
               <a:prstGeom prst="rect">
@@ -3942,7 +5228,7 @@
 </p:sld>
 </file>
 
-<file path=ppt/slides/slide3.xml><?xml version="1.0" encoding="utf-8"?>
+<file path=ppt/slides/slide4.xml><?xml version="1.0" encoding="utf-8"?>
 <p:sld xmlns:a="http://schemas.openxmlformats.org/drawingml/2006/main" xmlns:r="http://schemas.openxmlformats.org/officeDocument/2006/relationships" xmlns:p="http://schemas.openxmlformats.org/presentationml/2006/main">
   <p:cSld>
     <p:spTree>
@@ -4171,7 +5457,7 @@
 </p:sld>
 </file>
 
-<file path=ppt/slides/slide4.xml><?xml version="1.0" encoding="utf-8"?>
+<file path=ppt/slides/slide5.xml><?xml version="1.0" encoding="utf-8"?>
 <p:sld xmlns:a="http://schemas.openxmlformats.org/drawingml/2006/main" xmlns:r="http://schemas.openxmlformats.org/officeDocument/2006/relationships" xmlns:p="http://schemas.openxmlformats.org/presentationml/2006/main">
   <p:cSld>
     <p:spTree>
@@ -4400,7 +5686,7 @@
 </p:sld>
 </file>
 
-<file path=ppt/slides/slide5.xml><?xml version="1.0" encoding="utf-8"?>
+<file path=ppt/slides/slide6.xml><?xml version="1.0" encoding="utf-8"?>
 <p:sld xmlns:a="http://schemas.openxmlformats.org/drawingml/2006/main" xmlns:r="http://schemas.openxmlformats.org/officeDocument/2006/relationships" xmlns:p="http://schemas.openxmlformats.org/presentationml/2006/main">
   <p:cSld>
     <p:spTree>
@@ -4629,7 +5915,7 @@
 </p:sld>
 </file>
 
-<file path=ppt/slides/slide6.xml><?xml version="1.0" encoding="utf-8"?>
+<file path=ppt/slides/slide7.xml><?xml version="1.0" encoding="utf-8"?>
 <p:sld xmlns:a="http://schemas.openxmlformats.org/drawingml/2006/main" xmlns:r="http://schemas.openxmlformats.org/officeDocument/2006/relationships" xmlns:p="http://schemas.openxmlformats.org/presentationml/2006/main">
   <p:cSld>
     <p:spTree>
@@ -4858,7 +6144,7 @@
 </p:sld>
 </file>
 
-<file path=ppt/slides/slide7.xml><?xml version="1.0" encoding="utf-8"?>
+<file path=ppt/slides/slide8.xml><?xml version="1.0" encoding="utf-8"?>
 <p:sld xmlns:a="http://schemas.openxmlformats.org/drawingml/2006/main" xmlns:r="http://schemas.openxmlformats.org/officeDocument/2006/relationships" xmlns:p="http://schemas.openxmlformats.org/presentationml/2006/main">
   <p:cSld>
     <p:spTree>

--- a/slides.pptx
+++ b/slides.pptx
@@ -4214,8 +4214,8 @@
         </p:nvSpPr>
         <p:spPr>
           <a:xfrm>
-            <a:off x="5445918" y="4896894"/>
-            <a:ext cx="6244595" cy="1292662"/>
+            <a:off x="5445918" y="4624262"/>
+            <a:ext cx="5699252" cy="1692771"/>
           </a:xfrm>
           <a:prstGeom prst="rect">
             <a:avLst/>
@@ -4238,7 +4238,13 @@
           <a:p>
             <a:r>
               <a:rPr lang="en-US" sz="2600" dirty="0"/>
-              <a:t>Knight Chair in Data Journalism, Columbia</a:t>
+              <a:t>Knight Chair in Data Journalism</a:t>
+            </a:r>
+          </a:p>
+          <a:p>
+            <a:r>
+              <a:rPr lang="en-US" sz="2600" dirty="0"/>
+              <a:t>Columbia University</a:t>
             </a:r>
           </a:p>
           <a:p>
@@ -5149,8 +5155,8 @@
         </p:blipFill>
         <p:spPr>
           <a:xfrm>
-            <a:off x="-1927832" y="1183598"/>
-            <a:ext cx="12798887" cy="6835937"/>
+            <a:off x="1230725" y="1183598"/>
+            <a:ext cx="9640330" cy="5148939"/>
           </a:xfrm>
           <a:prstGeom prst="rect">
             <a:avLst/>
@@ -5179,7 +5185,7 @@
               <p14:nvPr/>
             </p14:nvContentPartPr>
             <p14:xfrm>
-              <a:off x="6942707" y="2734550"/>
+              <a:off x="7906534" y="2314421"/>
               <a:ext cx="1086840" cy="838080"/>
             </p14:xfrm>
           </p:contentPart>
@@ -5205,7 +5211,7 @@
             </p:blipFill>
             <p:spPr>
               <a:xfrm>
-                <a:off x="6880067" y="2671910"/>
+                <a:off x="7843894" y="2251781"/>
                 <a:ext cx="1212480" cy="963720"/>
               </a:xfrm>
               <a:prstGeom prst="rect">
@@ -6311,60 +6317,6 @@
       </p:pic>
       <p:sp>
         <p:nvSpPr>
-          <p:cNvPr id="8" name="TextBox 7">
-            <a:extLst>
-              <a:ext uri="{FF2B5EF4-FFF2-40B4-BE49-F238E27FC236}">
-                <a16:creationId xmlns:a16="http://schemas.microsoft.com/office/drawing/2014/main" id="{9F9D40E1-2A00-6FEE-8555-40FAB9B7EFF8}"/>
-              </a:ext>
-            </a:extLst>
-          </p:cNvPr>
-          <p:cNvSpPr txBox="1"/>
-          <p:nvPr/>
-        </p:nvSpPr>
-        <p:spPr>
-          <a:xfrm>
-            <a:off x="5470631" y="4287793"/>
-            <a:ext cx="6244595" cy="1292662"/>
-          </a:xfrm>
-          <a:prstGeom prst="rect">
-            <a:avLst/>
-          </a:prstGeom>
-          <a:solidFill>
-            <a:srgbClr val="FFFF00"/>
-          </a:solidFill>
-        </p:spPr>
-        <p:txBody>
-          <a:bodyPr wrap="none" rtlCol="0">
-            <a:spAutoFit/>
-          </a:bodyPr>
-          <a:lstStyle/>
-          <a:p>
-            <a:r>
-              <a:rPr lang="en-US" sz="2600" b="1" dirty="0"/>
-              <a:t>Jonathan Soma</a:t>
-            </a:r>
-          </a:p>
-          <a:p>
-            <a:r>
-              <a:rPr lang="en-US" sz="2600" dirty="0"/>
-              <a:t>Knight Chair in Data Journalism, Columbia</a:t>
-            </a:r>
-          </a:p>
-          <a:p>
-            <a:r>
-              <a:rPr lang="en-US" sz="2600" dirty="0"/>
-              <a:t>js4571@columbia.edu / @</a:t>
-            </a:r>
-            <a:r>
-              <a:rPr lang="en-US" sz="2600" dirty="0" err="1"/>
-              <a:t>dangerscarf</a:t>
-            </a:r>
-            <a:endParaRPr lang="en-US" sz="2600" dirty="0"/>
-          </a:p>
-        </p:txBody>
-      </p:sp>
-      <p:sp>
-        <p:nvSpPr>
           <p:cNvPr id="9" name="TextBox 8">
             <a:extLst>
               <a:ext uri="{FF2B5EF4-FFF2-40B4-BE49-F238E27FC236}">
@@ -6397,6 +6349,66 @@
               <a:rPr lang="en-US" sz="5000" b="1" dirty="0"/>
               <a:t>Scraping PDFs with Python + Natural PDF</a:t>
             </a:r>
+          </a:p>
+        </p:txBody>
+      </p:sp>
+      <p:sp>
+        <p:nvSpPr>
+          <p:cNvPr id="2" name="TextBox 1">
+            <a:extLst>
+              <a:ext uri="{FF2B5EF4-FFF2-40B4-BE49-F238E27FC236}">
+                <a16:creationId xmlns:a16="http://schemas.microsoft.com/office/drawing/2014/main" id="{50D5D304-B766-7D80-36FC-BE6E1DE925BC}"/>
+              </a:ext>
+            </a:extLst>
+          </p:cNvPr>
+          <p:cNvSpPr txBox="1"/>
+          <p:nvPr/>
+        </p:nvSpPr>
+        <p:spPr>
+          <a:xfrm>
+            <a:off x="5445918" y="4624262"/>
+            <a:ext cx="5699252" cy="1692771"/>
+          </a:xfrm>
+          <a:prstGeom prst="rect">
+            <a:avLst/>
+          </a:prstGeom>
+          <a:solidFill>
+            <a:srgbClr val="FFFF00"/>
+          </a:solidFill>
+        </p:spPr>
+        <p:txBody>
+          <a:bodyPr wrap="none" rtlCol="0">
+            <a:spAutoFit/>
+          </a:bodyPr>
+          <a:lstStyle/>
+          <a:p>
+            <a:r>
+              <a:rPr lang="en-US" sz="2600" b="1" dirty="0"/>
+              <a:t>Jonathan Soma</a:t>
+            </a:r>
+          </a:p>
+          <a:p>
+            <a:r>
+              <a:rPr lang="en-US" sz="2600" dirty="0"/>
+              <a:t>Knight Chair in Data Journalism</a:t>
+            </a:r>
+          </a:p>
+          <a:p>
+            <a:r>
+              <a:rPr lang="en-US" sz="2600" dirty="0"/>
+              <a:t>Columbia University</a:t>
+            </a:r>
+          </a:p>
+          <a:p>
+            <a:r>
+              <a:rPr lang="en-US" sz="2600" dirty="0"/>
+              <a:t>js4571@columbia.edu / @</a:t>
+            </a:r>
+            <a:r>
+              <a:rPr lang="en-US" sz="2600" dirty="0" err="1"/>
+              <a:t>dangerscarf</a:t>
+            </a:r>
+            <a:endParaRPr lang="en-US" sz="2600" dirty="0"/>
           </a:p>
         </p:txBody>
       </p:sp>

--- a/slides.pptx
+++ b/slides.pptx
@@ -130,7 +130,7 @@
           <inkml:channelProperty channel="F" name="resolution" value="0" units="1/dev"/>
         </inkml:channelProperties>
       </inkml:inkSource>
-      <inkml:timestamp xml:id="ts0" timeString="2025-06-21T19:11:24.012"/>
+      <inkml:timestamp xml:id="ts0" timeString="2025-06-21T19:11:38.845"/>
     </inkml:context>
     <inkml:brush xml:id="br0">
       <inkml:brushProperty name="width" value="0.35" units="cm"/>
@@ -138,7 +138,7 @@
       <inkml:brushProperty name="color" value="#E71024"/>
     </inkml:brush>
   </inkml:definitions>
-  <inkml:trace contextRef="#ctx0" brushRef="#br0">754 3141 24575,'-52'-63'0,"1"0"0,0 0 0,-1 0 0,-2-3 0,3 4 0,7 3 0,6 0 0,7 6-984,-10-18 223,1 0 1325,-1-10-564,21 34 0,0-3 144,2-6 1,0-2-145,-3-11 0,1-2 0,0-2 0,2 1 0,5 2 0,1 0 446,2 1 0,2 1-446,3 3 0,2 1 0,2 3 0,1 0 0,0 2 0,0 1 0,2 4 0,1 2 0,8-33 0,13 14 0,6 20 0,8 4 0,2 2 0,3 4 0,3-1 0,0 5 0,2 1 0,-3 6 0,1-1 0,2 2 0,9-5 0,8-4 0,10 1 0,2 1 0,1 5 0,-2 4 0,-5 4 0,-15 8 0,-18 7 0,-18 6 0,-15 2 0,-31-2 0,-2-5 0,-35-9 0,-3-10 0,-15-10 0,35 13 0,0-1 0,1-1 0,2 0 0,-37-23 0,17 8 0,22 13 0,19 11 0,19 9 0,34 5 0,11 2 0,38 0 0,7 0 0,7 0 0,-9 0 0,-18 0 0,-15 2 0,-4 5 0,-5 6 0,-2 5 0,-6 1 0,-12-4 0,-8-3 0,-6-4 0,-5-2 0,-1 5 0,-3-1 0,0 3 0,0 1 0,-2 7 0,-2 14 0,-5 20 0,-2 27 0,5-31 0,2 3 0,0 6 0,1-1 0,0-1 0,0-2 0,-1 36 0,1-33 0,1-26 0,2-18 0,0-10 0,0-1 0</inkml:trace>
+  <inkml:trace contextRef="#ctx0" brushRef="#br0">1366 0 24575,'75'37'0,"6"11"0,-14-4 0,3 5-492,0 1 0,0 2 0,1 3 0,0 1 0,3 2 0,-2 1 0,-6 1 0,-1 3 336,-18-17 0,1 3 0,-1 0 156,0 3 0,0 1 0,-2 0 0,0 3 0,-1 0 0,-1 2 0,-3 1 0,0 3 0,-3 2 82,2 8 0,-2 3 0,-3 2-82,-5 5 0,-4 2 0,-3 1 0,0 5 0,-3 1 0,-7 1 0,-9-3 0,-7 1 0,-9-1 0,-11 2 0,-9-1 0,-8-2-219,1-18 0,-6-1 0,-5 0 1,-3-3 218,-10 5 0,-6-2 0,-3-1 0,-2-2 0,13-14 0,-3 0 0,0-2 0,-2-2 0,1-2 0,-14 7 0,-1-3 0,1-2 0,2-5 0,-10 3 0,2-5 0,4-5 0,11-9 0,2-4 0,3-4 0,-10-3 0,4-6 0,6-5 0,1-2 0,-1-1 0,0-4 0,1-6 0,-1-6 0,-2-4 0,1-4 0,1-8 0,2-4 0,5-1 0,3-1 0,9 2 0,3-3 0,2 1 0,3-2 0,-25-33 0,4-8 0,17-4 0,26 32 0,6-3 491,4-6 1,9-2-1,12-9 1,14 2-482,19-6 1,17 4-11,-5 23 0,9 3 0,6 3-246,-5 6 0,6 3 0,3 1 0,2 2 217,11-1 1,3 1-1,3 3 1,2 0-130,-12 5 1,1 1 0,1 1 0,2 1 0,-1 0 157,4 1 0,2 0 0,0 1 0,-1 1 0,-2 1 0,-9 2 0,-2 1 0,-1 0 0,-1 1 0,-2 0 0,12-1 0,-2 1 0,-3 1 0,-3 0 0,5 0 0,-4 2 0,-3 0 0,20-2 0,-4 1 0,0 1 0,-3 1 0,-8 0 0,-1 1 0,0-1 0,0 1 0,-6 2 0,0-1 0,0 0 0,0-1 0,-6 0 0,-1 0 0,1 0 0,-1-1 0,-9-1 0,1 0 0,6-2 0,1-1 0,1-1 0,0-2 0,1-1 0,-1-2 0,-3-2 0,-2 0 491,-12 1 1,-3-1 406,33-14 85,-18 7 0,-15 8 0,-13 5-883,-12 5-100,-7 1 0,-6 2 0,-6 1 0,-30-17 0,-11-3 0,-35-22 0,7 3 0,8 1 0,18 9 0,18 14 0,10 9 0,46 27 0,18-1 0,-4 1 0,5 1 0,3-4 0,1-1 0,6 2 0,0 0 0,-5-1 0,-2 1 0,-8-1 0,-4 0 0,18 8 0,-26-6 0,-20-5 0,-11-3 0,-5-2 0,-15 5 0,1 0 0,-11 5 0,2 2 0,-5 7 0,-5 9 0,-7 12 0,-4 5 0,0 2 0,2-6 0,7-12 0,6-6 0,5-9 0,3-1 0,0 1 0,0 0 0,1 0 0,4 0 0,0-2 0,4-1 0,1-2 0,2-3 0,1 3 0,2-8 0,1 0 0</inkml:trace>
 </inkml:ink>
 </file>
 
@@ -382,7 +382,7 @@
           <inkml:channelProperty channel="F" name="resolution" value="0" units="1/dev"/>
         </inkml:channelProperties>
       </inkml:inkSource>
-      <inkml:timestamp xml:id="ts0" timeString="2025-06-21T19:11:38.845"/>
+      <inkml:timestamp xml:id="ts0" timeString="2025-06-21T19:12:04.330"/>
     </inkml:context>
     <inkml:brush xml:id="br0">
       <inkml:brushProperty name="width" value="0.35" units="cm"/>
@@ -390,7 +390,7 @@
       <inkml:brushProperty name="color" value="#E71024"/>
     </inkml:brush>
   </inkml:definitions>
-  <inkml:trace contextRef="#ctx0" brushRef="#br0">1366 0 24575,'75'37'0,"6"11"0,-14-4 0,3 5-492,0 1 0,0 2 0,1 3 0,0 1 0,3 2 0,-2 1 0,-6 1 0,-1 3 336,-18-17 0,1 3 0,-1 0 156,0 3 0,0 1 0,-2 0 0,0 3 0,-1 0 0,-1 2 0,-3 1 0,0 3 0,-3 2 82,2 8 0,-2 3 0,-3 2-82,-5 5 0,-4 2 0,-3 1 0,0 5 0,-3 1 0,-7 1 0,-9-3 0,-7 1 0,-9-1 0,-11 2 0,-9-1 0,-8-2-219,1-18 0,-6-1 0,-5 0 1,-3-3 218,-10 5 0,-6-2 0,-3-1 0,-2-2 0,13-14 0,-3 0 0,0-2 0,-2-2 0,1-2 0,-14 7 0,-1-3 0,1-2 0,2-5 0,-10 3 0,2-5 0,4-5 0,11-9 0,2-4 0,3-4 0,-10-3 0,4-6 0,6-5 0,1-2 0,-1-1 0,0-4 0,1-6 0,-1-6 0,-2-4 0,1-4 0,1-8 0,2-4 0,5-1 0,3-1 0,9 2 0,3-3 0,2 1 0,3-2 0,-25-33 0,4-8 0,17-4 0,26 32 0,6-3 491,4-6 1,9-2-1,12-9 1,14 2-482,19-6 1,17 4-11,-5 23 0,9 3 0,6 3-246,-5 6 0,6 3 0,3 1 0,2 2 217,11-1 1,3 1-1,3 3 1,2 0-130,-12 5 1,1 1 0,1 1 0,2 1 0,-1 0 157,4 1 0,2 0 0,0 1 0,-1 1 0,-2 1 0,-9 2 0,-2 1 0,-1 0 0,-1 1 0,-2 0 0,12-1 0,-2 1 0,-3 1 0,-3 0 0,5 0 0,-4 2 0,-3 0 0,20-2 0,-4 1 0,0 1 0,-3 1 0,-8 0 0,-1 1 0,0-1 0,0 1 0,-6 2 0,0-1 0,0 0 0,0-1 0,-6 0 0,-1 0 0,1 0 0,-1-1 0,-9-1 0,1 0 0,6-2 0,1-1 0,1-1 0,0-2 0,1-1 0,-1-2 0,-3-2 0,-2 0 491,-12 1 1,-3-1 406,33-14 85,-18 7 0,-15 8 0,-13 5-883,-12 5-100,-7 1 0,-6 2 0,-6 1 0,-30-17 0,-11-3 0,-35-22 0,7 3 0,8 1 0,18 9 0,18 14 0,10 9 0,46 27 0,18-1 0,-4 1 0,5 1 0,3-4 0,1-1 0,6 2 0,0 0 0,-5-1 0,-2 1 0,-8-1 0,-4 0 0,18 8 0,-26-6 0,-20-5 0,-11-3 0,-5-2 0,-15 5 0,1 0 0,-11 5 0,2 2 0,-5 7 0,-5 9 0,-7 12 0,-4 5 0,0 2 0,2-6 0,7-12 0,6-6 0,5-9 0,3-1 0,0 1 0,0 0 0,1 0 0,4 0 0,0-2 0,4-1 0,1-2 0,2-3 0,1 3 0,2-8 0,1 0 0</inkml:trace>
+  <inkml:trace contextRef="#ctx0" brushRef="#br0">1 65 24575,'36'0'0,"0"0"0,1 0 0,29 0 0,27 0 0,-35 0 0,4 0 0,6 0 0,1 0 0,2 0 0,0 0 0,1 0 0,0 0 0,-1 0 0,0 0 0,-6 0 0,-2 0 0,-5 0 0,-3 0 0,32 0 0,-18 0 0,-16 0 0,-9 0 0,0 0 0,-4-2 0,1-2 0,-1 1 0,-2 1 0,-2 2 0,-2 0 0,-1 0 0,5 0 0,4 0 0,5-2 0,5 0 0,1-3 0,3-3 0,3-1 0,4 0 0,2 2 0,-2 1 0,-12 3 0,-10 1 0,-12 2 0,-6 0 0,-2 0 0,-4 0 0,-1 0 0,-3 0 0,0 0 0,0 0 0,2 0 0,-2 0 0,1 0 0,-2 0 0,-3 0 0,-1 0 0</inkml:trace>
 </inkml:ink>
 </file>
 
@@ -410,7 +410,7 @@
           <inkml:channelProperty channel="F" name="resolution" value="0" units="1/dev"/>
         </inkml:channelProperties>
       </inkml:inkSource>
-      <inkml:timestamp xml:id="ts0" timeString="2025-06-21T19:12:04.330"/>
+      <inkml:timestamp xml:id="ts0" timeString="2025-06-21T19:52:54.239"/>
     </inkml:context>
     <inkml:brush xml:id="br0">
       <inkml:brushProperty name="width" value="0.35" units="cm"/>
@@ -418,7 +418,7 @@
       <inkml:brushProperty name="color" value="#E71024"/>
     </inkml:brush>
   </inkml:definitions>
-  <inkml:trace contextRef="#ctx0" brushRef="#br0">1 65 24575,'36'0'0,"0"0"0,1 0 0,29 0 0,27 0 0,-35 0 0,4 0 0,6 0 0,1 0 0,2 0 0,0 0 0,1 0 0,0 0 0,-1 0 0,0 0 0,-6 0 0,-2 0 0,-5 0 0,-3 0 0,32 0 0,-18 0 0,-16 0 0,-9 0 0,0 0 0,-4-2 0,1-2 0,-1 1 0,-2 1 0,-2 2 0,-2 0 0,-1 0 0,5 0 0,4 0 0,5-2 0,5 0 0,1-3 0,3-3 0,3-1 0,4 0 0,2 2 0,-2 1 0,-12 3 0,-10 1 0,-12 2 0,-6 0 0,-2 0 0,-4 0 0,-1 0 0,-3 0 0,0 0 0,0 0 0,2 0 0,-2 0 0,1 0 0,-2 0 0,-3 0 0,-1 0 0</inkml:trace>
+  <inkml:trace contextRef="#ctx0" brushRef="#br0">1 204 24575,'53'-3'0,"13"-7"0,-6-3 0,10-1-328,-2 0 0,8-1 0,4 1 82,-2 1 0,5 0 0,3 1 0,-1 0 0,2 1 0,1 1 0,-1 0 0,-1 2 0,-6 1 0,-1 1 0,-2 1 0,-3 1-82,10 1 0,-3 0 0,-5 2-164,15 1 0,-4 0 106,5-1 1,0 0 385,-8 1 0,-1 0 0,-2 0 0,-3 1 0,-8 0 0,-2 2-365,-2 2 0,-1 2 365,-4 4 0,-1 2 0,-2 4 0,-1 3 0,1 3 0,-3 2 0,-5 2 0,-2 3 0,-3 1 0,-2 3 0,-1 2 0,-3 3 0,-3 4 0,-2 2 0,-3 1 0,-2 2 0,-2 5 0,-4 3 0,-3 4 0,-4 3 0,-2 14 0,-4 4-390,-1 10 1,-4 5 389,-5-24 0,-2 2 0,-4 2 70,-5 7 1,-3 2 0,-4 1-71,-3 1 0,-5 0 0,-3 0 0,4-18 0,-3 0 0,-1 0 0,-3 2-194,-5 10 0,-3 1 1,-2 1-1,-1 2 194,5-11 0,-2 2 0,-1 0 0,-1 0 0,1 0 0,-2 1 0,0 0 0,-1 0 0,1-1 0,1-2-246,-5 8 0,0 0 0,2-5 0,3-5-82,2-7 0,3-5 0,3-7-164,1-1 0,4-8 1246,-9 10-754,-4-1 983,4-6 0,12-20 0,4-5 0,7-9 0,0-4 0,2-5 0,3-3 0,1-5 0,1-8 0,1-6 0,-5-6-851,2 2-132,2-1 0,1 2 0,2-1 0,-3-7 0,-1-9 0,-2-11 0,-1-13 0,-3-14 0,-1-3 0,-1-6 0,0 1 0,4 3 0,-1 1 0,2 6 0,0 9 0,4 13 0,2 12 0,2 14 0,0 11 0,4 46 0,3-2 0,2 31 0,1-15 0,-1 2 0,-1 11 0,2 10 0,-2-1 0,1 4 0,-1 0 0,-3 5 0,2 9 0,1-2 0,1-5 0,1-10 0,0-10 0,-1-6 0,1-7 0,1-7 0,-1-1 0,2-6 0,-1 1 0,1 3 0,4 2 0,-3 7 0,2 4 0,-2 0 0,-1-2 0,-2-12 0,-4-13 0,0-14 0,15-31 0,-6 8 0,21-25 0,-4 12 0,17-7 0,15-6 0,20-3 0,-21 16 0,5 1 0,11-3 0,2 1-492,-2 1 0,0 2 365,-8 3 0,-3 2 127,27-7 0,-23 8-392,-1 1 392,-6 4 0,-8 2 0,-8 3 0,-6 1 0,-5 2 0,-4 0 983,-3 1-753,-5 2 187,-4 1-417,-4 3 0,-1 0 0,-6 1 0,-2 0 0</inkml:trace>
 </inkml:ink>
 </file>
 
@@ -3804,6 +3804,36 @@
           <a:chExt cx="0" cy="0"/>
         </a:xfrm>
       </p:grpSpPr>
+      <p:pic>
+        <p:nvPicPr>
+          <p:cNvPr id="28" name="Picture 27">
+            <a:extLst>
+              <a:ext uri="{FF2B5EF4-FFF2-40B4-BE49-F238E27FC236}">
+                <a16:creationId xmlns:a16="http://schemas.microsoft.com/office/drawing/2014/main" id="{2FB75544-791B-300D-FA04-4FC3C4660DCF}"/>
+              </a:ext>
+            </a:extLst>
+          </p:cNvPr>
+          <p:cNvPicPr>
+            <a:picLocks noChangeAspect="1"/>
+          </p:cNvPicPr>
+          <p:nvPr/>
+        </p:nvPicPr>
+        <p:blipFill>
+          <a:blip r:embed="rId2"/>
+          <a:stretch>
+            <a:fillRect/>
+          </a:stretch>
+        </p:blipFill>
+        <p:spPr>
+          <a:xfrm>
+            <a:off x="369934" y="1346558"/>
+            <a:ext cx="4559128" cy="3201521"/>
+          </a:xfrm>
+          <a:prstGeom prst="rect">
+            <a:avLst/>
+          </a:prstGeom>
+        </p:spPr>
+      </p:pic>
       <p:sp>
         <p:nvSpPr>
           <p:cNvPr id="5" name="Rectangle 4">
@@ -3904,41 +3934,19 @@
                   <a:schemeClr val="bg1"/>
                 </a:solidFill>
               </a:rPr>
-              <a:t>, scroll down down down down down</a:t>
-            </a:r>
-          </a:p>
-        </p:txBody>
-      </p:sp>
-      <p:pic>
-        <p:nvPicPr>
-          <p:cNvPr id="10" name="Picture 9">
-            <a:extLst>
-              <a:ext uri="{FF2B5EF4-FFF2-40B4-BE49-F238E27FC236}">
-                <a16:creationId xmlns:a16="http://schemas.microsoft.com/office/drawing/2014/main" id="{996B2349-9288-17E7-9F77-414A5E8E3B94}"/>
-              </a:ext>
-            </a:extLst>
-          </p:cNvPr>
-          <p:cNvPicPr>
-            <a:picLocks noChangeAspect="1"/>
-          </p:cNvPicPr>
-          <p:nvPr/>
-        </p:nvPicPr>
-        <p:blipFill>
-          <a:blip r:embed="rId2"/>
-          <a:stretch>
-            <a:fillRect/>
-          </a:stretch>
-        </p:blipFill>
-        <p:spPr>
-          <a:xfrm>
-            <a:off x="323850" y="1114170"/>
-            <a:ext cx="4487976" cy="3819954"/>
-          </a:xfrm>
-          <a:prstGeom prst="rect">
-            <a:avLst/>
-          </a:prstGeom>
-        </p:spPr>
-      </p:pic>
+              <a:t>, scroll down down </a:t>
+            </a:r>
+            <a:r>
+              <a:rPr lang="en-US" sz="2600" i="1" dirty="0">
+                <a:solidFill>
+                  <a:schemeClr val="bg1"/>
+                </a:solidFill>
+              </a:rPr>
+              <a:t>down down down</a:t>
+            </a:r>
+          </a:p>
+        </p:txBody>
+      </p:sp>
       <p:pic>
         <p:nvPicPr>
           <p:cNvPr id="15" name="Picture 14">
@@ -3972,57 +3980,6 @@
       <mc:AlternateContent xmlns:mc="http://schemas.openxmlformats.org/markup-compatibility/2006">
         <mc:Choice xmlns:p14="http://schemas.microsoft.com/office/powerpoint/2010/main" Requires="p14">
           <p:contentPart p14:bwMode="auto" r:id="rId4">
-            <p14:nvContentPartPr>
-              <p14:cNvPr id="18" name="Ink 17">
-                <a:extLst>
-                  <a:ext uri="{FF2B5EF4-FFF2-40B4-BE49-F238E27FC236}">
-                    <a16:creationId xmlns:a16="http://schemas.microsoft.com/office/drawing/2014/main" id="{785608A3-A0A7-729D-D582-8FF49E649D3D}"/>
-                  </a:ext>
-                </a:extLst>
-              </p14:cNvPr>
-              <p14:cNvContentPartPr/>
-              <p14:nvPr/>
-            </p14:nvContentPartPr>
-            <p14:xfrm>
-              <a:off x="623734" y="3472541"/>
-              <a:ext cx="430560" cy="1131120"/>
-            </p14:xfrm>
-          </p:contentPart>
-        </mc:Choice>
-        <mc:Fallback>
-          <p:pic>
-            <p:nvPicPr>
-              <p:cNvPr id="18" name="Ink 17">
-                <a:extLst>
-                  <a:ext uri="{FF2B5EF4-FFF2-40B4-BE49-F238E27FC236}">
-                    <a16:creationId xmlns:a16="http://schemas.microsoft.com/office/drawing/2014/main" id="{785608A3-A0A7-729D-D582-8FF49E649D3D}"/>
-                  </a:ext>
-                </a:extLst>
-              </p:cNvPr>
-              <p:cNvPicPr/>
-              <p:nvPr/>
-            </p:nvPicPr>
-            <p:blipFill>
-              <a:blip r:embed="rId5"/>
-              <a:stretch>
-                <a:fillRect/>
-              </a:stretch>
-            </p:blipFill>
-            <p:spPr>
-              <a:xfrm>
-                <a:off x="561094" y="3409541"/>
-                <a:ext cx="556200" cy="1256760"/>
-              </a:xfrm>
-              <a:prstGeom prst="rect">
-                <a:avLst/>
-              </a:prstGeom>
-            </p:spPr>
-          </p:pic>
-        </mc:Fallback>
-      </mc:AlternateContent>
-      <mc:AlternateContent xmlns:mc="http://schemas.openxmlformats.org/markup-compatibility/2006">
-        <mc:Choice xmlns:p14="http://schemas.microsoft.com/office/powerpoint/2010/main" Requires="p14">
-          <p:contentPart p14:bwMode="auto" r:id="rId6">
             <p14:nvContentPartPr>
               <p14:cNvPr id="24" name="Ink 23">
                 <a:extLst>
@@ -4054,7 +4011,7 @@
               <p:nvPr/>
             </p:nvPicPr>
             <p:blipFill>
-              <a:blip r:embed="rId7"/>
+              <a:blip r:embed="rId5"/>
               <a:stretch>
                 <a:fillRect/>
               </a:stretch>
@@ -4084,9 +4041,9 @@
           <p:nvPr/>
         </p:nvSpPr>
         <p:spPr>
-          <a:xfrm rot="20264086">
-            <a:off x="378396" y="4536697"/>
-            <a:ext cx="915635" cy="523220"/>
+          <a:xfrm rot="20926541">
+            <a:off x="145497" y="1014612"/>
+            <a:ext cx="2361544" cy="523220"/>
           </a:xfrm>
           <a:prstGeom prst="rect">
             <a:avLst/>
@@ -4107,14 +4064,14 @@
                   <a:schemeClr val="bg1"/>
                 </a:solidFill>
               </a:rPr>
-              <a:t>click</a:t>
+              <a:t>open all these</a:t>
             </a:r>
           </a:p>
         </p:txBody>
       </p:sp>
       <mc:AlternateContent xmlns:mc="http://schemas.openxmlformats.org/markup-compatibility/2006">
         <mc:Choice xmlns:p14="http://schemas.microsoft.com/office/powerpoint/2010/main" Requires="p14">
-          <p:contentPart p14:bwMode="auto" r:id="rId8">
+          <p:contentPart p14:bwMode="auto" r:id="rId6">
             <p14:nvContentPartPr>
               <p14:cNvPr id="25" name="Ink 24">
                 <a:extLst>
@@ -4127,7 +4084,7 @@
               <p14:nvPr/>
             </p14:nvContentPartPr>
             <p14:xfrm>
-              <a:off x="1300534" y="3887621"/>
+              <a:off x="3082508" y="3934488"/>
               <a:ext cx="936000" cy="23400"/>
             </p14:xfrm>
           </p:contentPart>
@@ -4146,14 +4103,14 @@
               <p:nvPr/>
             </p:nvPicPr>
             <p:blipFill>
-              <a:blip r:embed="rId9"/>
+              <a:blip r:embed="rId7"/>
               <a:stretch>
                 <a:fillRect/>
               </a:stretch>
             </p:blipFill>
             <p:spPr>
               <a:xfrm>
-                <a:off x="1237894" y="3824981"/>
+                <a:off x="3019868" y="3871848"/>
                 <a:ext cx="1061640" cy="149040"/>
               </a:xfrm>
               <a:prstGeom prst="rect">
@@ -4178,7 +4135,7 @@
           <p:nvPr/>
         </p:nvPicPr>
         <p:blipFill>
-          <a:blip r:embed="rId10"/>
+          <a:blip r:embed="rId8"/>
           <a:stretch>
             <a:fillRect/>
           </a:stretch>
@@ -4297,6 +4254,98 @@
           </a:p>
         </p:txBody>
       </p:sp>
+      <p:sp>
+        <p:nvSpPr>
+          <p:cNvPr id="27" name="TextBox 26">
+            <a:extLst>
+              <a:ext uri="{FF2B5EF4-FFF2-40B4-BE49-F238E27FC236}">
+                <a16:creationId xmlns:a16="http://schemas.microsoft.com/office/drawing/2014/main" id="{6CD30102-58EA-9408-09DA-ABFF62A49225}"/>
+              </a:ext>
+            </a:extLst>
+          </p:cNvPr>
+          <p:cNvSpPr txBox="1"/>
+          <p:nvPr/>
+        </p:nvSpPr>
+        <p:spPr>
+          <a:xfrm rot="21255113">
+            <a:off x="386806" y="4545842"/>
+            <a:ext cx="3710824" cy="523220"/>
+          </a:xfrm>
+          <a:prstGeom prst="rect">
+            <a:avLst/>
+          </a:prstGeom>
+          <a:solidFill>
+            <a:srgbClr val="E71023"/>
+          </a:solidFill>
+        </p:spPr>
+        <p:txBody>
+          <a:bodyPr wrap="none" rtlCol="0">
+            <a:spAutoFit/>
+          </a:bodyPr>
+          <a:lstStyle/>
+          <a:p>
+            <a:r>
+              <a:rPr lang="en-US" sz="2800" dirty="0">
+                <a:solidFill>
+                  <a:schemeClr val="bg1"/>
+                </a:solidFill>
+              </a:rPr>
+              <a:t>click all these to install</a:t>
+            </a:r>
+          </a:p>
+        </p:txBody>
+      </p:sp>
+      <mc:AlternateContent xmlns:mc="http://schemas.openxmlformats.org/markup-compatibility/2006">
+        <mc:Choice xmlns:p14="http://schemas.microsoft.com/office/powerpoint/2010/main" Requires="p14">
+          <p:contentPart p14:bwMode="auto" r:id="rId9">
+            <p14:nvContentPartPr>
+              <p14:cNvPr id="30" name="Ink 29">
+                <a:extLst>
+                  <a:ext uri="{FF2B5EF4-FFF2-40B4-BE49-F238E27FC236}">
+                    <a16:creationId xmlns:a16="http://schemas.microsoft.com/office/drawing/2014/main" id="{EC98787C-849B-6F79-1AFD-87F16D53F504}"/>
+                  </a:ext>
+                </a:extLst>
+              </p14:cNvPr>
+              <p14:cNvContentPartPr/>
+              <p14:nvPr/>
+            </p14:nvContentPartPr>
+            <p14:xfrm>
+              <a:off x="2492134" y="993221"/>
+              <a:ext cx="1271880" cy="1610640"/>
+            </p14:xfrm>
+          </p:contentPart>
+        </mc:Choice>
+        <mc:Fallback>
+          <p:pic>
+            <p:nvPicPr>
+              <p:cNvPr id="30" name="Ink 29">
+                <a:extLst>
+                  <a:ext uri="{FF2B5EF4-FFF2-40B4-BE49-F238E27FC236}">
+                    <a16:creationId xmlns:a16="http://schemas.microsoft.com/office/drawing/2014/main" id="{EC98787C-849B-6F79-1AFD-87F16D53F504}"/>
+                  </a:ext>
+                </a:extLst>
+              </p:cNvPr>
+              <p:cNvPicPr/>
+              <p:nvPr/>
+            </p:nvPicPr>
+            <p:blipFill>
+              <a:blip r:embed="rId10"/>
+              <a:stretch>
+                <a:fillRect/>
+              </a:stretch>
+            </p:blipFill>
+            <p:spPr>
+              <a:xfrm>
+                <a:off x="2429494" y="930581"/>
+                <a:ext cx="1397520" cy="1736280"/>
+              </a:xfrm>
+              <a:prstGeom prst="rect">
+                <a:avLst/>
+              </a:prstGeom>
+            </p:spPr>
+          </p:pic>
+        </mc:Fallback>
+      </mc:AlternateContent>
     </p:spTree>
     <p:extLst>
       <p:ext uri="{BB962C8B-B14F-4D97-AF65-F5344CB8AC3E}">
